--- a/figures/statisticalLearning/treeMethods/TreeMethodsFigures.pptx
+++ b/figures/statisticalLearning/treeMethods/TreeMethodsFigures.pptx
@@ -8,6 +8,7 @@
     <p:sldId id="256" r:id="rId2"/>
     <p:sldId id="257" r:id="rId3"/>
     <p:sldId id="258" r:id="rId4"/>
+    <p:sldId id="259" r:id="rId5"/>
   </p:sldIdLst>
   <p:sldSz cx="12192000" cy="6858000"/>
   <p:notesSz cx="6858000" cy="9144000"/>
@@ -245,7 +246,7 @@
           <a:p>
             <a:fld id="{95A4E7F3-76DD-41A9-83EA-1E4A041F8B88}" type="datetimeFigureOut">
               <a:rPr lang="en-US" smtClean="0"/>
-              <a:t>9/3/2018</a:t>
+              <a:t>10/30/2018</a:t>
             </a:fld>
             <a:endParaRPr lang="en-US"/>
           </a:p>
@@ -415,7 +416,7 @@
           <a:p>
             <a:fld id="{95A4E7F3-76DD-41A9-83EA-1E4A041F8B88}" type="datetimeFigureOut">
               <a:rPr lang="en-US" smtClean="0"/>
-              <a:t>9/3/2018</a:t>
+              <a:t>10/30/2018</a:t>
             </a:fld>
             <a:endParaRPr lang="en-US"/>
           </a:p>
@@ -595,7 +596,7 @@
           <a:p>
             <a:fld id="{95A4E7F3-76DD-41A9-83EA-1E4A041F8B88}" type="datetimeFigureOut">
               <a:rPr lang="en-US" smtClean="0"/>
-              <a:t>9/3/2018</a:t>
+              <a:t>10/30/2018</a:t>
             </a:fld>
             <a:endParaRPr lang="en-US"/>
           </a:p>
@@ -765,7 +766,7 @@
           <a:p>
             <a:fld id="{95A4E7F3-76DD-41A9-83EA-1E4A041F8B88}" type="datetimeFigureOut">
               <a:rPr lang="en-US" smtClean="0"/>
-              <a:t>9/3/2018</a:t>
+              <a:t>10/30/2018</a:t>
             </a:fld>
             <a:endParaRPr lang="en-US"/>
           </a:p>
@@ -1011,7 +1012,7 @@
           <a:p>
             <a:fld id="{95A4E7F3-76DD-41A9-83EA-1E4A041F8B88}" type="datetimeFigureOut">
               <a:rPr lang="en-US" smtClean="0"/>
-              <a:t>9/3/2018</a:t>
+              <a:t>10/30/2018</a:t>
             </a:fld>
             <a:endParaRPr lang="en-US"/>
           </a:p>
@@ -1243,7 +1244,7 @@
           <a:p>
             <a:fld id="{95A4E7F3-76DD-41A9-83EA-1E4A041F8B88}" type="datetimeFigureOut">
               <a:rPr lang="en-US" smtClean="0"/>
-              <a:t>9/3/2018</a:t>
+              <a:t>10/30/2018</a:t>
             </a:fld>
             <a:endParaRPr lang="en-US"/>
           </a:p>
@@ -1610,7 +1611,7 @@
           <a:p>
             <a:fld id="{95A4E7F3-76DD-41A9-83EA-1E4A041F8B88}" type="datetimeFigureOut">
               <a:rPr lang="en-US" smtClean="0"/>
-              <a:t>9/3/2018</a:t>
+              <a:t>10/30/2018</a:t>
             </a:fld>
             <a:endParaRPr lang="en-US"/>
           </a:p>
@@ -1728,7 +1729,7 @@
           <a:p>
             <a:fld id="{95A4E7F3-76DD-41A9-83EA-1E4A041F8B88}" type="datetimeFigureOut">
               <a:rPr lang="en-US" smtClean="0"/>
-              <a:t>9/3/2018</a:t>
+              <a:t>10/30/2018</a:t>
             </a:fld>
             <a:endParaRPr lang="en-US"/>
           </a:p>
@@ -1823,7 +1824,7 @@
           <a:p>
             <a:fld id="{95A4E7F3-76DD-41A9-83EA-1E4A041F8B88}" type="datetimeFigureOut">
               <a:rPr lang="en-US" smtClean="0"/>
-              <a:t>9/3/2018</a:t>
+              <a:t>10/30/2018</a:t>
             </a:fld>
             <a:endParaRPr lang="en-US"/>
           </a:p>
@@ -2100,7 +2101,7 @@
           <a:p>
             <a:fld id="{95A4E7F3-76DD-41A9-83EA-1E4A041F8B88}" type="datetimeFigureOut">
               <a:rPr lang="en-US" smtClean="0"/>
-              <a:t>9/3/2018</a:t>
+              <a:t>10/30/2018</a:t>
             </a:fld>
             <a:endParaRPr lang="en-US"/>
           </a:p>
@@ -2353,7 +2354,7 @@
           <a:p>
             <a:fld id="{95A4E7F3-76DD-41A9-83EA-1E4A041F8B88}" type="datetimeFigureOut">
               <a:rPr lang="en-US" smtClean="0"/>
-              <a:t>9/3/2018</a:t>
+              <a:t>10/30/2018</a:t>
             </a:fld>
             <a:endParaRPr lang="en-US"/>
           </a:p>
@@ -2566,7 +2567,7 @@
           <a:p>
             <a:fld id="{95A4E7F3-76DD-41A9-83EA-1E4A041F8B88}" type="datetimeFigureOut">
               <a:rPr lang="en-US" smtClean="0"/>
-              <a:t>9/3/2018</a:t>
+              <a:t>10/30/2018</a:t>
             </a:fld>
             <a:endParaRPr lang="en-US"/>
           </a:p>
@@ -8283,6 +8284,1162 @@
 </p:sld>
 </file>
 
+<file path=ppt/slides/slide4.xml><?xml version="1.0" encoding="utf-8"?>
+<p:sld xmlns:a="http://schemas.openxmlformats.org/drawingml/2006/main" xmlns:r="http://schemas.openxmlformats.org/officeDocument/2006/relationships" xmlns:p="http://schemas.openxmlformats.org/presentationml/2006/main">
+  <p:cSld>
+    <p:spTree>
+      <p:nvGrpSpPr>
+        <p:cNvPr id="1" name=""/>
+        <p:cNvGrpSpPr/>
+        <p:nvPr/>
+      </p:nvGrpSpPr>
+      <p:grpSpPr>
+        <a:xfrm>
+          <a:off x="0" y="0"/>
+          <a:ext cx="0" cy="0"/>
+          <a:chOff x="0" y="0"/>
+          <a:chExt cx="0" cy="0"/>
+        </a:xfrm>
+      </p:grpSpPr>
+      <p:grpSp>
+        <p:nvGrpSpPr>
+          <p:cNvPr id="31" name="Group 30"/>
+          <p:cNvGrpSpPr/>
+          <p:nvPr/>
+        </p:nvGrpSpPr>
+        <p:grpSpPr>
+          <a:xfrm>
+            <a:off x="5460205" y="675852"/>
+            <a:ext cx="3502889" cy="1991148"/>
+            <a:chOff x="5460205" y="675852"/>
+            <a:chExt cx="3502889" cy="1991148"/>
+          </a:xfrm>
+        </p:grpSpPr>
+        <p:sp>
+          <p:nvSpPr>
+            <p:cNvPr id="2" name="Oval 1"/>
+            <p:cNvSpPr/>
+            <p:nvPr/>
+          </p:nvSpPr>
+          <p:spPr>
+            <a:xfrm>
+              <a:off x="6420465" y="675852"/>
+              <a:ext cx="1524000" cy="828675"/>
+            </a:xfrm>
+            <a:prstGeom prst="ellipse">
+              <a:avLst/>
+            </a:prstGeom>
+            <a:noFill/>
+            <a:ln>
+              <a:solidFill>
+                <a:schemeClr val="tx1"/>
+              </a:solidFill>
+            </a:ln>
+          </p:spPr>
+          <p:style>
+            <a:lnRef idx="2">
+              <a:schemeClr val="accent1">
+                <a:shade val="50000"/>
+              </a:schemeClr>
+            </a:lnRef>
+            <a:fillRef idx="1">
+              <a:schemeClr val="accent1"/>
+            </a:fillRef>
+            <a:effectRef idx="0">
+              <a:schemeClr val="accent1"/>
+            </a:effectRef>
+            <a:fontRef idx="minor">
+              <a:schemeClr val="lt1"/>
+            </a:fontRef>
+          </p:style>
+          <p:txBody>
+            <a:bodyPr rtlCol="0" anchor="ctr"/>
+            <a:lstStyle/>
+            <a:p>
+              <a:pPr algn="ctr"/>
+              <a:r>
+                <a:rPr lang="en-US" altLang="zh-CN" dirty="0" smtClean="0">
+                  <a:solidFill>
+                    <a:schemeClr val="tx1"/>
+                  </a:solidFill>
+                </a:rPr>
+                <a:t>A, B, C</a:t>
+              </a:r>
+              <a:endParaRPr lang="en-US" dirty="0">
+                <a:solidFill>
+                  <a:schemeClr val="tx1"/>
+                </a:solidFill>
+              </a:endParaRPr>
+            </a:p>
+          </p:txBody>
+        </p:sp>
+        <p:cxnSp>
+          <p:nvCxnSpPr>
+            <p:cNvPr id="4" name="Straight Arrow Connector 3"/>
+            <p:cNvCxnSpPr>
+              <a:stCxn id="2" idx="3"/>
+            </p:cNvCxnSpPr>
+            <p:nvPr/>
+          </p:nvCxnSpPr>
+          <p:spPr>
+            <a:xfrm flipH="1">
+              <a:off x="5896589" y="1383170"/>
+              <a:ext cx="747061" cy="549982"/>
+            </a:xfrm>
+            <a:prstGeom prst="straightConnector1">
+              <a:avLst/>
+            </a:prstGeom>
+            <a:ln>
+              <a:solidFill>
+                <a:schemeClr val="tx1"/>
+              </a:solidFill>
+              <a:tailEnd type="triangle"/>
+            </a:ln>
+          </p:spPr>
+          <p:style>
+            <a:lnRef idx="1">
+              <a:schemeClr val="accent1"/>
+            </a:lnRef>
+            <a:fillRef idx="0">
+              <a:schemeClr val="accent1"/>
+            </a:fillRef>
+            <a:effectRef idx="0">
+              <a:schemeClr val="accent1"/>
+            </a:effectRef>
+            <a:fontRef idx="minor">
+              <a:schemeClr val="tx1"/>
+            </a:fontRef>
+          </p:style>
+        </p:cxnSp>
+        <p:cxnSp>
+          <p:nvCxnSpPr>
+            <p:cNvPr id="6" name="Straight Arrow Connector 5"/>
+            <p:cNvCxnSpPr>
+              <a:stCxn id="2" idx="4"/>
+            </p:cNvCxnSpPr>
+            <p:nvPr/>
+          </p:nvCxnSpPr>
+          <p:spPr>
+            <a:xfrm>
+              <a:off x="7182465" y="1504527"/>
+              <a:ext cx="14287" cy="514350"/>
+            </a:xfrm>
+            <a:prstGeom prst="straightConnector1">
+              <a:avLst/>
+            </a:prstGeom>
+            <a:ln>
+              <a:solidFill>
+                <a:schemeClr val="tx1"/>
+              </a:solidFill>
+              <a:tailEnd type="triangle"/>
+            </a:ln>
+          </p:spPr>
+          <p:style>
+            <a:lnRef idx="1">
+              <a:schemeClr val="accent1"/>
+            </a:lnRef>
+            <a:fillRef idx="0">
+              <a:schemeClr val="accent1"/>
+            </a:fillRef>
+            <a:effectRef idx="0">
+              <a:schemeClr val="accent1"/>
+            </a:effectRef>
+            <a:fontRef idx="minor">
+              <a:schemeClr val="tx1"/>
+            </a:fontRef>
+          </p:style>
+        </p:cxnSp>
+        <p:cxnSp>
+          <p:nvCxnSpPr>
+            <p:cNvPr id="8" name="Straight Arrow Connector 7"/>
+            <p:cNvCxnSpPr>
+              <a:stCxn id="2" idx="5"/>
+            </p:cNvCxnSpPr>
+            <p:nvPr/>
+          </p:nvCxnSpPr>
+          <p:spPr>
+            <a:xfrm>
+              <a:off x="7721280" y="1383170"/>
+              <a:ext cx="708959" cy="549982"/>
+            </a:xfrm>
+            <a:prstGeom prst="straightConnector1">
+              <a:avLst/>
+            </a:prstGeom>
+            <a:ln>
+              <a:solidFill>
+                <a:schemeClr val="tx1"/>
+              </a:solidFill>
+              <a:tailEnd type="triangle"/>
+            </a:ln>
+          </p:spPr>
+          <p:style>
+            <a:lnRef idx="1">
+              <a:schemeClr val="accent1"/>
+            </a:lnRef>
+            <a:fillRef idx="0">
+              <a:schemeClr val="accent1"/>
+            </a:fillRef>
+            <a:effectRef idx="0">
+              <a:schemeClr val="accent1"/>
+            </a:effectRef>
+            <a:fontRef idx="minor">
+              <a:schemeClr val="tx1"/>
+            </a:fontRef>
+          </p:style>
+        </p:cxnSp>
+        <p:sp>
+          <p:nvSpPr>
+            <p:cNvPr id="9" name="Oval 8"/>
+            <p:cNvSpPr/>
+            <p:nvPr/>
+          </p:nvSpPr>
+          <p:spPr>
+            <a:xfrm>
+              <a:off x="5460205" y="1933152"/>
+              <a:ext cx="856705" cy="645655"/>
+            </a:xfrm>
+            <a:prstGeom prst="ellipse">
+              <a:avLst/>
+            </a:prstGeom>
+            <a:noFill/>
+            <a:ln>
+              <a:solidFill>
+                <a:schemeClr val="tx1"/>
+              </a:solidFill>
+            </a:ln>
+          </p:spPr>
+          <p:style>
+            <a:lnRef idx="2">
+              <a:schemeClr val="accent1">
+                <a:shade val="50000"/>
+              </a:schemeClr>
+            </a:lnRef>
+            <a:fillRef idx="1">
+              <a:schemeClr val="accent1"/>
+            </a:fillRef>
+            <a:effectRef idx="0">
+              <a:schemeClr val="accent1"/>
+            </a:effectRef>
+            <a:fontRef idx="minor">
+              <a:schemeClr val="lt1"/>
+            </a:fontRef>
+          </p:style>
+          <p:txBody>
+            <a:bodyPr rtlCol="0" anchor="ctr"/>
+            <a:lstStyle/>
+            <a:p>
+              <a:pPr algn="ctr"/>
+              <a:r>
+                <a:rPr lang="en-US" altLang="zh-CN" dirty="0" smtClean="0">
+                  <a:solidFill>
+                    <a:schemeClr val="tx1"/>
+                  </a:solidFill>
+                </a:rPr>
+                <a:t>A</a:t>
+              </a:r>
+              <a:endParaRPr lang="en-US" dirty="0">
+                <a:solidFill>
+                  <a:schemeClr val="tx1"/>
+                </a:solidFill>
+              </a:endParaRPr>
+            </a:p>
+          </p:txBody>
+        </p:sp>
+        <p:sp>
+          <p:nvSpPr>
+            <p:cNvPr id="11" name="Oval 10"/>
+            <p:cNvSpPr/>
+            <p:nvPr/>
+          </p:nvSpPr>
+          <p:spPr>
+            <a:xfrm>
+              <a:off x="6760367" y="2021345"/>
+              <a:ext cx="856705" cy="645655"/>
+            </a:xfrm>
+            <a:prstGeom prst="ellipse">
+              <a:avLst/>
+            </a:prstGeom>
+            <a:noFill/>
+            <a:ln>
+              <a:solidFill>
+                <a:schemeClr val="tx1"/>
+              </a:solidFill>
+            </a:ln>
+          </p:spPr>
+          <p:style>
+            <a:lnRef idx="2">
+              <a:schemeClr val="accent1">
+                <a:shade val="50000"/>
+              </a:schemeClr>
+            </a:lnRef>
+            <a:fillRef idx="1">
+              <a:schemeClr val="accent1"/>
+            </a:fillRef>
+            <a:effectRef idx="0">
+              <a:schemeClr val="accent1"/>
+            </a:effectRef>
+            <a:fontRef idx="minor">
+              <a:schemeClr val="lt1"/>
+            </a:fontRef>
+          </p:style>
+          <p:txBody>
+            <a:bodyPr rtlCol="0" anchor="ctr"/>
+            <a:lstStyle/>
+            <a:p>
+              <a:pPr algn="ctr"/>
+              <a:r>
+                <a:rPr lang="en-US" altLang="zh-CN" dirty="0" smtClean="0">
+                  <a:solidFill>
+                    <a:schemeClr val="tx1"/>
+                  </a:solidFill>
+                </a:rPr>
+                <a:t>B</a:t>
+              </a:r>
+              <a:endParaRPr lang="en-US" dirty="0">
+                <a:solidFill>
+                  <a:schemeClr val="tx1"/>
+                </a:solidFill>
+              </a:endParaRPr>
+            </a:p>
+          </p:txBody>
+        </p:sp>
+        <p:sp>
+          <p:nvSpPr>
+            <p:cNvPr id="12" name="Oval 11"/>
+            <p:cNvSpPr/>
+            <p:nvPr/>
+          </p:nvSpPr>
+          <p:spPr>
+            <a:xfrm>
+              <a:off x="8106389" y="1933151"/>
+              <a:ext cx="856705" cy="645655"/>
+            </a:xfrm>
+            <a:prstGeom prst="ellipse">
+              <a:avLst/>
+            </a:prstGeom>
+            <a:noFill/>
+            <a:ln>
+              <a:solidFill>
+                <a:schemeClr val="tx1"/>
+              </a:solidFill>
+            </a:ln>
+          </p:spPr>
+          <p:style>
+            <a:lnRef idx="2">
+              <a:schemeClr val="accent1">
+                <a:shade val="50000"/>
+              </a:schemeClr>
+            </a:lnRef>
+            <a:fillRef idx="1">
+              <a:schemeClr val="accent1"/>
+            </a:fillRef>
+            <a:effectRef idx="0">
+              <a:schemeClr val="accent1"/>
+            </a:effectRef>
+            <a:fontRef idx="minor">
+              <a:schemeClr val="lt1"/>
+            </a:fontRef>
+          </p:style>
+          <p:txBody>
+            <a:bodyPr rtlCol="0" anchor="ctr"/>
+            <a:lstStyle/>
+            <a:p>
+              <a:pPr algn="ctr"/>
+              <a:r>
+                <a:rPr lang="en-US" altLang="zh-CN" dirty="0" smtClean="0">
+                  <a:solidFill>
+                    <a:schemeClr val="tx1"/>
+                  </a:solidFill>
+                </a:rPr>
+                <a:t>C</a:t>
+              </a:r>
+              <a:endParaRPr lang="en-US" dirty="0">
+                <a:solidFill>
+                  <a:schemeClr val="tx1"/>
+                </a:solidFill>
+              </a:endParaRPr>
+            </a:p>
+          </p:txBody>
+        </p:sp>
+      </p:grpSp>
+      <p:grpSp>
+        <p:nvGrpSpPr>
+          <p:cNvPr id="32" name="Group 31"/>
+          <p:cNvGrpSpPr/>
+          <p:nvPr/>
+        </p:nvGrpSpPr>
+        <p:grpSpPr>
+          <a:xfrm>
+            <a:off x="2156182" y="3095625"/>
+            <a:ext cx="9809411" cy="1916993"/>
+            <a:chOff x="2156182" y="3095625"/>
+            <a:chExt cx="9809411" cy="1916993"/>
+          </a:xfrm>
+        </p:grpSpPr>
+        <p:sp>
+          <p:nvSpPr>
+            <p:cNvPr id="13" name="Oval 12"/>
+            <p:cNvSpPr/>
+            <p:nvPr/>
+          </p:nvSpPr>
+          <p:spPr>
+            <a:xfrm>
+              <a:off x="3116441" y="3095625"/>
+              <a:ext cx="1552575" cy="828675"/>
+            </a:xfrm>
+            <a:prstGeom prst="ellipse">
+              <a:avLst/>
+            </a:prstGeom>
+            <a:noFill/>
+            <a:ln>
+              <a:solidFill>
+                <a:schemeClr val="tx1"/>
+              </a:solidFill>
+            </a:ln>
+          </p:spPr>
+          <p:style>
+            <a:lnRef idx="2">
+              <a:schemeClr val="accent1">
+                <a:shade val="50000"/>
+              </a:schemeClr>
+            </a:lnRef>
+            <a:fillRef idx="1">
+              <a:schemeClr val="accent1"/>
+            </a:fillRef>
+            <a:effectRef idx="0">
+              <a:schemeClr val="accent1"/>
+            </a:effectRef>
+            <a:fontRef idx="minor">
+              <a:schemeClr val="lt1"/>
+            </a:fontRef>
+          </p:style>
+          <p:txBody>
+            <a:bodyPr rtlCol="0" anchor="ctr"/>
+            <a:lstStyle/>
+            <a:p>
+              <a:pPr algn="ctr"/>
+              <a:r>
+                <a:rPr lang="en-US" altLang="zh-CN" dirty="0" smtClean="0">
+                  <a:solidFill>
+                    <a:schemeClr val="tx1"/>
+                  </a:solidFill>
+                </a:rPr>
+                <a:t>A, B, C</a:t>
+              </a:r>
+              <a:endParaRPr lang="en-US" dirty="0">
+                <a:solidFill>
+                  <a:schemeClr val="tx1"/>
+                </a:solidFill>
+              </a:endParaRPr>
+            </a:p>
+          </p:txBody>
+        </p:sp>
+        <p:cxnSp>
+          <p:nvCxnSpPr>
+            <p:cNvPr id="14" name="Straight Arrow Connector 13"/>
+            <p:cNvCxnSpPr>
+              <a:stCxn id="13" idx="3"/>
+            </p:cNvCxnSpPr>
+            <p:nvPr/>
+          </p:nvCxnSpPr>
+          <p:spPr>
+            <a:xfrm flipH="1">
+              <a:off x="2592566" y="3802943"/>
+              <a:ext cx="751244" cy="549982"/>
+            </a:xfrm>
+            <a:prstGeom prst="straightConnector1">
+              <a:avLst/>
+            </a:prstGeom>
+            <a:ln>
+              <a:solidFill>
+                <a:schemeClr val="tx1"/>
+              </a:solidFill>
+              <a:tailEnd type="triangle"/>
+            </a:ln>
+          </p:spPr>
+          <p:style>
+            <a:lnRef idx="1">
+              <a:schemeClr val="accent1"/>
+            </a:lnRef>
+            <a:fillRef idx="0">
+              <a:schemeClr val="accent1"/>
+            </a:fillRef>
+            <a:effectRef idx="0">
+              <a:schemeClr val="accent1"/>
+            </a:effectRef>
+            <a:fontRef idx="minor">
+              <a:schemeClr val="tx1"/>
+            </a:fontRef>
+          </p:style>
+        </p:cxnSp>
+        <p:cxnSp>
+          <p:nvCxnSpPr>
+            <p:cNvPr id="16" name="Straight Arrow Connector 15"/>
+            <p:cNvCxnSpPr>
+              <a:endCxn id="19" idx="0"/>
+            </p:cNvCxnSpPr>
+            <p:nvPr/>
+          </p:nvCxnSpPr>
+          <p:spPr>
+            <a:xfrm>
+              <a:off x="4201140" y="3870641"/>
+              <a:ext cx="233631" cy="496322"/>
+            </a:xfrm>
+            <a:prstGeom prst="straightConnector1">
+              <a:avLst/>
+            </a:prstGeom>
+            <a:ln>
+              <a:solidFill>
+                <a:schemeClr val="tx1"/>
+              </a:solidFill>
+              <a:tailEnd type="triangle"/>
+            </a:ln>
+          </p:spPr>
+          <p:style>
+            <a:lnRef idx="1">
+              <a:schemeClr val="accent1"/>
+            </a:lnRef>
+            <a:fillRef idx="0">
+              <a:schemeClr val="accent1"/>
+            </a:fillRef>
+            <a:effectRef idx="0">
+              <a:schemeClr val="accent1"/>
+            </a:effectRef>
+            <a:fontRef idx="minor">
+              <a:schemeClr val="tx1"/>
+            </a:fontRef>
+          </p:style>
+        </p:cxnSp>
+        <p:sp>
+          <p:nvSpPr>
+            <p:cNvPr id="17" name="Oval 16"/>
+            <p:cNvSpPr/>
+            <p:nvPr/>
+          </p:nvSpPr>
+          <p:spPr>
+            <a:xfrm>
+              <a:off x="2156182" y="4352925"/>
+              <a:ext cx="872768" cy="645655"/>
+            </a:xfrm>
+            <a:prstGeom prst="ellipse">
+              <a:avLst/>
+            </a:prstGeom>
+            <a:noFill/>
+            <a:ln>
+              <a:solidFill>
+                <a:schemeClr val="tx1"/>
+              </a:solidFill>
+            </a:ln>
+          </p:spPr>
+          <p:style>
+            <a:lnRef idx="2">
+              <a:schemeClr val="accent1">
+                <a:shade val="50000"/>
+              </a:schemeClr>
+            </a:lnRef>
+            <a:fillRef idx="1">
+              <a:schemeClr val="accent1"/>
+            </a:fillRef>
+            <a:effectRef idx="0">
+              <a:schemeClr val="accent1"/>
+            </a:effectRef>
+            <a:fontRef idx="minor">
+              <a:schemeClr val="lt1"/>
+            </a:fontRef>
+          </p:style>
+          <p:txBody>
+            <a:bodyPr rtlCol="0" anchor="ctr"/>
+            <a:lstStyle/>
+            <a:p>
+              <a:pPr algn="ctr"/>
+              <a:r>
+                <a:rPr lang="en-US" altLang="zh-CN" dirty="0" smtClean="0">
+                  <a:solidFill>
+                    <a:schemeClr val="tx1"/>
+                  </a:solidFill>
+                </a:rPr>
+                <a:t>A</a:t>
+              </a:r>
+              <a:endParaRPr lang="en-US" dirty="0">
+                <a:solidFill>
+                  <a:schemeClr val="tx1"/>
+                </a:solidFill>
+              </a:endParaRPr>
+            </a:p>
+          </p:txBody>
+        </p:sp>
+        <p:sp>
+          <p:nvSpPr>
+            <p:cNvPr id="19" name="Oval 18"/>
+            <p:cNvSpPr/>
+            <p:nvPr/>
+          </p:nvSpPr>
+          <p:spPr>
+            <a:xfrm>
+              <a:off x="3649841" y="4366963"/>
+              <a:ext cx="1569859" cy="645655"/>
+            </a:xfrm>
+            <a:prstGeom prst="ellipse">
+              <a:avLst/>
+            </a:prstGeom>
+            <a:noFill/>
+            <a:ln>
+              <a:solidFill>
+                <a:schemeClr val="tx1"/>
+              </a:solidFill>
+            </a:ln>
+          </p:spPr>
+          <p:style>
+            <a:lnRef idx="2">
+              <a:schemeClr val="accent1">
+                <a:shade val="50000"/>
+              </a:schemeClr>
+            </a:lnRef>
+            <a:fillRef idx="1">
+              <a:schemeClr val="accent1"/>
+            </a:fillRef>
+            <a:effectRef idx="0">
+              <a:schemeClr val="accent1"/>
+            </a:effectRef>
+            <a:fontRef idx="minor">
+              <a:schemeClr val="lt1"/>
+            </a:fontRef>
+          </p:style>
+          <p:txBody>
+            <a:bodyPr rtlCol="0" anchor="ctr"/>
+            <a:lstStyle/>
+            <a:p>
+              <a:pPr algn="ctr"/>
+              <a:r>
+                <a:rPr lang="en-US" altLang="zh-CN" dirty="0" smtClean="0">
+                  <a:solidFill>
+                    <a:schemeClr val="tx1"/>
+                  </a:solidFill>
+                </a:rPr>
+                <a:t>C</a:t>
+              </a:r>
+              <a:endParaRPr lang="en-US" dirty="0">
+                <a:solidFill>
+                  <a:schemeClr val="tx1"/>
+                </a:solidFill>
+              </a:endParaRPr>
+            </a:p>
+          </p:txBody>
+        </p:sp>
+        <p:sp>
+          <p:nvSpPr>
+            <p:cNvPr id="21" name="Oval 20"/>
+            <p:cNvSpPr/>
+            <p:nvPr/>
+          </p:nvSpPr>
+          <p:spPr>
+            <a:xfrm>
+              <a:off x="6391890" y="3095625"/>
+              <a:ext cx="1552575" cy="828675"/>
+            </a:xfrm>
+            <a:prstGeom prst="ellipse">
+              <a:avLst/>
+            </a:prstGeom>
+            <a:noFill/>
+            <a:ln>
+              <a:solidFill>
+                <a:schemeClr val="tx1"/>
+              </a:solidFill>
+            </a:ln>
+          </p:spPr>
+          <p:style>
+            <a:lnRef idx="2">
+              <a:schemeClr val="accent1">
+                <a:shade val="50000"/>
+              </a:schemeClr>
+            </a:lnRef>
+            <a:fillRef idx="1">
+              <a:schemeClr val="accent1"/>
+            </a:fillRef>
+            <a:effectRef idx="0">
+              <a:schemeClr val="accent1"/>
+            </a:effectRef>
+            <a:fontRef idx="minor">
+              <a:schemeClr val="lt1"/>
+            </a:fontRef>
+          </p:style>
+          <p:txBody>
+            <a:bodyPr rtlCol="0" anchor="ctr"/>
+            <a:lstStyle/>
+            <a:p>
+              <a:pPr algn="ctr"/>
+              <a:r>
+                <a:rPr lang="en-US" altLang="zh-CN" dirty="0" smtClean="0">
+                  <a:solidFill>
+                    <a:schemeClr val="tx1"/>
+                  </a:solidFill>
+                </a:rPr>
+                <a:t>A, B, C</a:t>
+              </a:r>
+              <a:endParaRPr lang="en-US" dirty="0">
+                <a:solidFill>
+                  <a:schemeClr val="tx1"/>
+                </a:solidFill>
+              </a:endParaRPr>
+            </a:p>
+          </p:txBody>
+        </p:sp>
+        <p:cxnSp>
+          <p:nvCxnSpPr>
+            <p:cNvPr id="22" name="Straight Arrow Connector 21"/>
+            <p:cNvCxnSpPr>
+              <a:stCxn id="21" idx="3"/>
+            </p:cNvCxnSpPr>
+            <p:nvPr/>
+          </p:nvCxnSpPr>
+          <p:spPr>
+            <a:xfrm flipH="1">
+              <a:off x="5868015" y="3802943"/>
+              <a:ext cx="751244" cy="549982"/>
+            </a:xfrm>
+            <a:prstGeom prst="straightConnector1">
+              <a:avLst/>
+            </a:prstGeom>
+            <a:ln>
+              <a:solidFill>
+                <a:schemeClr val="tx1"/>
+              </a:solidFill>
+              <a:tailEnd type="triangle"/>
+            </a:ln>
+          </p:spPr>
+          <p:style>
+            <a:lnRef idx="1">
+              <a:schemeClr val="accent1"/>
+            </a:lnRef>
+            <a:fillRef idx="0">
+              <a:schemeClr val="accent1"/>
+            </a:fillRef>
+            <a:effectRef idx="0">
+              <a:schemeClr val="accent1"/>
+            </a:effectRef>
+            <a:fontRef idx="minor">
+              <a:schemeClr val="tx1"/>
+            </a:fontRef>
+          </p:style>
+        </p:cxnSp>
+        <p:cxnSp>
+          <p:nvCxnSpPr>
+            <p:cNvPr id="23" name="Straight Arrow Connector 22"/>
+            <p:cNvCxnSpPr>
+              <a:endCxn id="25" idx="0"/>
+            </p:cNvCxnSpPr>
+            <p:nvPr/>
+          </p:nvCxnSpPr>
+          <p:spPr>
+            <a:xfrm>
+              <a:off x="7476589" y="3870641"/>
+              <a:ext cx="233631" cy="496322"/>
+            </a:xfrm>
+            <a:prstGeom prst="straightConnector1">
+              <a:avLst/>
+            </a:prstGeom>
+            <a:ln>
+              <a:solidFill>
+                <a:schemeClr val="tx1"/>
+              </a:solidFill>
+              <a:tailEnd type="triangle"/>
+            </a:ln>
+          </p:spPr>
+          <p:style>
+            <a:lnRef idx="1">
+              <a:schemeClr val="accent1"/>
+            </a:lnRef>
+            <a:fillRef idx="0">
+              <a:schemeClr val="accent1"/>
+            </a:fillRef>
+            <a:effectRef idx="0">
+              <a:schemeClr val="accent1"/>
+            </a:effectRef>
+            <a:fontRef idx="minor">
+              <a:schemeClr val="tx1"/>
+            </a:fontRef>
+          </p:style>
+        </p:cxnSp>
+        <p:sp>
+          <p:nvSpPr>
+            <p:cNvPr id="24" name="Oval 23"/>
+            <p:cNvSpPr/>
+            <p:nvPr/>
+          </p:nvSpPr>
+          <p:spPr>
+            <a:xfrm>
+              <a:off x="5431631" y="4352925"/>
+              <a:ext cx="872768" cy="645655"/>
+            </a:xfrm>
+            <a:prstGeom prst="ellipse">
+              <a:avLst/>
+            </a:prstGeom>
+            <a:noFill/>
+            <a:ln>
+              <a:solidFill>
+                <a:schemeClr val="tx1"/>
+              </a:solidFill>
+            </a:ln>
+          </p:spPr>
+          <p:style>
+            <a:lnRef idx="2">
+              <a:schemeClr val="accent1">
+                <a:shade val="50000"/>
+              </a:schemeClr>
+            </a:lnRef>
+            <a:fillRef idx="1">
+              <a:schemeClr val="accent1"/>
+            </a:fillRef>
+            <a:effectRef idx="0">
+              <a:schemeClr val="accent1"/>
+            </a:effectRef>
+            <a:fontRef idx="minor">
+              <a:schemeClr val="lt1"/>
+            </a:fontRef>
+          </p:style>
+          <p:txBody>
+            <a:bodyPr rtlCol="0" anchor="ctr"/>
+            <a:lstStyle/>
+            <a:p>
+              <a:pPr algn="ctr"/>
+              <a:r>
+                <a:rPr lang="en-US" altLang="zh-CN" dirty="0" smtClean="0">
+                  <a:solidFill>
+                    <a:schemeClr val="tx1"/>
+                  </a:solidFill>
+                </a:rPr>
+                <a:t>B</a:t>
+              </a:r>
+              <a:endParaRPr lang="en-US" dirty="0">
+                <a:solidFill>
+                  <a:schemeClr val="tx1"/>
+                </a:solidFill>
+              </a:endParaRPr>
+            </a:p>
+          </p:txBody>
+        </p:sp>
+        <p:sp>
+          <p:nvSpPr>
+            <p:cNvPr id="25" name="Oval 24"/>
+            <p:cNvSpPr/>
+            <p:nvPr/>
+          </p:nvSpPr>
+          <p:spPr>
+            <a:xfrm>
+              <a:off x="6925290" y="4366963"/>
+              <a:ext cx="1569859" cy="645655"/>
+            </a:xfrm>
+            <a:prstGeom prst="ellipse">
+              <a:avLst/>
+            </a:prstGeom>
+            <a:noFill/>
+            <a:ln>
+              <a:solidFill>
+                <a:schemeClr val="tx1"/>
+              </a:solidFill>
+            </a:ln>
+          </p:spPr>
+          <p:style>
+            <a:lnRef idx="2">
+              <a:schemeClr val="accent1">
+                <a:shade val="50000"/>
+              </a:schemeClr>
+            </a:lnRef>
+            <a:fillRef idx="1">
+              <a:schemeClr val="accent1"/>
+            </a:fillRef>
+            <a:effectRef idx="0">
+              <a:schemeClr val="accent1"/>
+            </a:effectRef>
+            <a:fontRef idx="minor">
+              <a:schemeClr val="lt1"/>
+            </a:fontRef>
+          </p:style>
+          <p:txBody>
+            <a:bodyPr rtlCol="0" anchor="ctr"/>
+            <a:lstStyle/>
+            <a:p>
+              <a:pPr algn="ctr"/>
+              <a:r>
+                <a:rPr lang="en-US" altLang="zh-CN" dirty="0" smtClean="0">
+                  <a:solidFill>
+                    <a:schemeClr val="tx1"/>
+                  </a:solidFill>
+                </a:rPr>
+                <a:t>A, C</a:t>
+              </a:r>
+              <a:endParaRPr lang="en-US" dirty="0">
+                <a:solidFill>
+                  <a:schemeClr val="tx1"/>
+                </a:solidFill>
+              </a:endParaRPr>
+            </a:p>
+          </p:txBody>
+        </p:sp>
+        <p:sp>
+          <p:nvSpPr>
+            <p:cNvPr id="26" name="Oval 25"/>
+            <p:cNvSpPr/>
+            <p:nvPr/>
+          </p:nvSpPr>
+          <p:spPr>
+            <a:xfrm>
+              <a:off x="9862334" y="3095625"/>
+              <a:ext cx="1552575" cy="828675"/>
+            </a:xfrm>
+            <a:prstGeom prst="ellipse">
+              <a:avLst/>
+            </a:prstGeom>
+            <a:noFill/>
+            <a:ln>
+              <a:solidFill>
+                <a:schemeClr val="tx1"/>
+              </a:solidFill>
+            </a:ln>
+          </p:spPr>
+          <p:style>
+            <a:lnRef idx="2">
+              <a:schemeClr val="accent1">
+                <a:shade val="50000"/>
+              </a:schemeClr>
+            </a:lnRef>
+            <a:fillRef idx="1">
+              <a:schemeClr val="accent1"/>
+            </a:fillRef>
+            <a:effectRef idx="0">
+              <a:schemeClr val="accent1"/>
+            </a:effectRef>
+            <a:fontRef idx="minor">
+              <a:schemeClr val="lt1"/>
+            </a:fontRef>
+          </p:style>
+          <p:txBody>
+            <a:bodyPr rtlCol="0" anchor="ctr"/>
+            <a:lstStyle/>
+            <a:p>
+              <a:pPr algn="ctr"/>
+              <a:r>
+                <a:rPr lang="en-US" altLang="zh-CN" dirty="0" smtClean="0">
+                  <a:solidFill>
+                    <a:schemeClr val="tx1"/>
+                  </a:solidFill>
+                </a:rPr>
+                <a:t>A, B, C</a:t>
+              </a:r>
+              <a:endParaRPr lang="en-US" dirty="0">
+                <a:solidFill>
+                  <a:schemeClr val="tx1"/>
+                </a:solidFill>
+              </a:endParaRPr>
+            </a:p>
+          </p:txBody>
+        </p:sp>
+        <p:cxnSp>
+          <p:nvCxnSpPr>
+            <p:cNvPr id="27" name="Straight Arrow Connector 26"/>
+            <p:cNvCxnSpPr>
+              <a:stCxn id="26" idx="3"/>
+            </p:cNvCxnSpPr>
+            <p:nvPr/>
+          </p:nvCxnSpPr>
+          <p:spPr>
+            <a:xfrm flipH="1">
+              <a:off x="9338459" y="3802943"/>
+              <a:ext cx="751244" cy="549982"/>
+            </a:xfrm>
+            <a:prstGeom prst="straightConnector1">
+              <a:avLst/>
+            </a:prstGeom>
+            <a:ln>
+              <a:solidFill>
+                <a:schemeClr val="tx1"/>
+              </a:solidFill>
+              <a:tailEnd type="triangle"/>
+            </a:ln>
+          </p:spPr>
+          <p:style>
+            <a:lnRef idx="1">
+              <a:schemeClr val="accent1"/>
+            </a:lnRef>
+            <a:fillRef idx="0">
+              <a:schemeClr val="accent1"/>
+            </a:fillRef>
+            <a:effectRef idx="0">
+              <a:schemeClr val="accent1"/>
+            </a:effectRef>
+            <a:fontRef idx="minor">
+              <a:schemeClr val="tx1"/>
+            </a:fontRef>
+          </p:style>
+        </p:cxnSp>
+        <p:cxnSp>
+          <p:nvCxnSpPr>
+            <p:cNvPr id="28" name="Straight Arrow Connector 27"/>
+            <p:cNvCxnSpPr>
+              <a:endCxn id="30" idx="0"/>
+            </p:cNvCxnSpPr>
+            <p:nvPr/>
+          </p:nvCxnSpPr>
+          <p:spPr>
+            <a:xfrm>
+              <a:off x="10947033" y="3870641"/>
+              <a:ext cx="233631" cy="496322"/>
+            </a:xfrm>
+            <a:prstGeom prst="straightConnector1">
+              <a:avLst/>
+            </a:prstGeom>
+            <a:ln>
+              <a:solidFill>
+                <a:schemeClr val="tx1"/>
+              </a:solidFill>
+              <a:tailEnd type="triangle"/>
+            </a:ln>
+          </p:spPr>
+          <p:style>
+            <a:lnRef idx="1">
+              <a:schemeClr val="accent1"/>
+            </a:lnRef>
+            <a:fillRef idx="0">
+              <a:schemeClr val="accent1"/>
+            </a:fillRef>
+            <a:effectRef idx="0">
+              <a:schemeClr val="accent1"/>
+            </a:effectRef>
+            <a:fontRef idx="minor">
+              <a:schemeClr val="tx1"/>
+            </a:fontRef>
+          </p:style>
+        </p:cxnSp>
+        <p:sp>
+          <p:nvSpPr>
+            <p:cNvPr id="29" name="Oval 28"/>
+            <p:cNvSpPr/>
+            <p:nvPr/>
+          </p:nvSpPr>
+          <p:spPr>
+            <a:xfrm>
+              <a:off x="8902075" y="4352925"/>
+              <a:ext cx="872768" cy="645655"/>
+            </a:xfrm>
+            <a:prstGeom prst="ellipse">
+              <a:avLst/>
+            </a:prstGeom>
+            <a:noFill/>
+            <a:ln>
+              <a:solidFill>
+                <a:schemeClr val="tx1"/>
+              </a:solidFill>
+            </a:ln>
+          </p:spPr>
+          <p:style>
+            <a:lnRef idx="2">
+              <a:schemeClr val="accent1">
+                <a:shade val="50000"/>
+              </a:schemeClr>
+            </a:lnRef>
+            <a:fillRef idx="1">
+              <a:schemeClr val="accent1"/>
+            </a:fillRef>
+            <a:effectRef idx="0">
+              <a:schemeClr val="accent1"/>
+            </a:effectRef>
+            <a:fontRef idx="minor">
+              <a:schemeClr val="lt1"/>
+            </a:fontRef>
+          </p:style>
+          <p:txBody>
+            <a:bodyPr rtlCol="0" anchor="ctr"/>
+            <a:lstStyle/>
+            <a:p>
+              <a:pPr algn="ctr"/>
+              <a:r>
+                <a:rPr lang="en-US" altLang="zh-CN" dirty="0" smtClean="0">
+                  <a:solidFill>
+                    <a:schemeClr val="tx1"/>
+                  </a:solidFill>
+                </a:rPr>
+                <a:t>C</a:t>
+              </a:r>
+              <a:endParaRPr lang="en-US" dirty="0">
+                <a:solidFill>
+                  <a:schemeClr val="tx1"/>
+                </a:solidFill>
+              </a:endParaRPr>
+            </a:p>
+          </p:txBody>
+        </p:sp>
+        <p:sp>
+          <p:nvSpPr>
+            <p:cNvPr id="30" name="Oval 29"/>
+            <p:cNvSpPr/>
+            <p:nvPr/>
+          </p:nvSpPr>
+          <p:spPr>
+            <a:xfrm>
+              <a:off x="10395734" y="4366963"/>
+              <a:ext cx="1569859" cy="645655"/>
+            </a:xfrm>
+            <a:prstGeom prst="ellipse">
+              <a:avLst/>
+            </a:prstGeom>
+            <a:noFill/>
+            <a:ln>
+              <a:solidFill>
+                <a:schemeClr val="tx1"/>
+              </a:solidFill>
+            </a:ln>
+          </p:spPr>
+          <p:style>
+            <a:lnRef idx="2">
+              <a:schemeClr val="accent1">
+                <a:shade val="50000"/>
+              </a:schemeClr>
+            </a:lnRef>
+            <a:fillRef idx="1">
+              <a:schemeClr val="accent1"/>
+            </a:fillRef>
+            <a:effectRef idx="0">
+              <a:schemeClr val="accent1"/>
+            </a:effectRef>
+            <a:fontRef idx="minor">
+              <a:schemeClr val="lt1"/>
+            </a:fontRef>
+          </p:style>
+          <p:txBody>
+            <a:bodyPr rtlCol="0" anchor="ctr"/>
+            <a:lstStyle/>
+            <a:p>
+              <a:pPr algn="ctr"/>
+              <a:r>
+                <a:rPr lang="en-US" altLang="zh-CN" dirty="0" smtClean="0">
+                  <a:solidFill>
+                    <a:schemeClr val="tx1"/>
+                  </a:solidFill>
+                </a:rPr>
+                <a:t>A, B</a:t>
+              </a:r>
+              <a:endParaRPr lang="en-US" dirty="0">
+                <a:solidFill>
+                  <a:schemeClr val="tx1"/>
+                </a:solidFill>
+              </a:endParaRPr>
+            </a:p>
+          </p:txBody>
+        </p:sp>
+      </p:grpSp>
+    </p:spTree>
+    <p:extLst>
+      <p:ext uri="{BB962C8B-B14F-4D97-AF65-F5344CB8AC3E}">
+        <p14:creationId xmlns:p14="http://schemas.microsoft.com/office/powerpoint/2010/main" val="3667828146"/>
+      </p:ext>
+    </p:extLst>
+  </p:cSld>
+  <p:clrMapOvr>
+    <a:masterClrMapping/>
+  </p:clrMapOvr>
+</p:sld>
+</file>
+
 <file path=ppt/theme/theme1.xml><?xml version="1.0" encoding="utf-8"?>
 <a:theme xmlns:a="http://schemas.openxmlformats.org/drawingml/2006/main" name="Office Theme">
   <a:themeElements>

--- a/figures/statisticalLearning/treeMethods/TreeMethodsFigures.pptx
+++ b/figures/statisticalLearning/treeMethods/TreeMethodsFigures.pptx
@@ -8,7 +8,8 @@
     <p:sldId id="256" r:id="rId2"/>
     <p:sldId id="257" r:id="rId3"/>
     <p:sldId id="258" r:id="rId4"/>
-    <p:sldId id="259" r:id="rId5"/>
+    <p:sldId id="260" r:id="rId5"/>
+    <p:sldId id="259" r:id="rId6"/>
   </p:sldIdLst>
   <p:sldSz cx="12192000" cy="6858000"/>
   <p:notesSz cx="6858000" cy="9144000"/>
@@ -157,10 +158,9 @@
           </a:lstStyle>
           <a:p>
             <a:r>
-              <a:rPr lang="en-US" smtClean="0"/>
+              <a:rPr lang="en-US"/>
               <a:t>Click to edit Master title style</a:t>
             </a:r>
-            <a:endParaRPr lang="en-US"/>
           </a:p>
         </p:txBody>
       </p:sp>
@@ -222,10 +222,9 @@
           </a:lstStyle>
           <a:p>
             <a:r>
-              <a:rPr lang="en-US" smtClean="0"/>
+              <a:rPr lang="en-US"/>
               <a:t>Click to edit Master subtitle style</a:t>
             </a:r>
-            <a:endParaRPr lang="en-US"/>
           </a:p>
         </p:txBody>
       </p:sp>
@@ -246,7 +245,7 @@
           <a:p>
             <a:fld id="{95A4E7F3-76DD-41A9-83EA-1E4A041F8B88}" type="datetimeFigureOut">
               <a:rPr lang="en-US" smtClean="0"/>
-              <a:t>10/30/2018</a:t>
+              <a:t>1/5/2020</a:t>
             </a:fld>
             <a:endParaRPr lang="en-US"/>
           </a:p>
@@ -340,10 +339,9 @@
           <a:lstStyle/>
           <a:p>
             <a:r>
-              <a:rPr lang="en-US" smtClean="0"/>
+              <a:rPr lang="en-US"/>
               <a:t>Click to edit Master title style</a:t>
             </a:r>
-            <a:endParaRPr lang="en-US"/>
           </a:p>
         </p:txBody>
       </p:sp>
@@ -364,38 +362,37 @@
           <a:p>
             <a:pPr lvl="0"/>
             <a:r>
-              <a:rPr lang="en-US" smtClean="0"/>
+              <a:rPr lang="en-US"/>
               <a:t>Click to edit Master text styles</a:t>
             </a:r>
           </a:p>
           <a:p>
             <a:pPr lvl="1"/>
             <a:r>
-              <a:rPr lang="en-US" smtClean="0"/>
+              <a:rPr lang="en-US"/>
               <a:t>Second level</a:t>
             </a:r>
           </a:p>
           <a:p>
             <a:pPr lvl="2"/>
             <a:r>
-              <a:rPr lang="en-US" smtClean="0"/>
+              <a:rPr lang="en-US"/>
               <a:t>Third level</a:t>
             </a:r>
           </a:p>
           <a:p>
             <a:pPr lvl="3"/>
             <a:r>
-              <a:rPr lang="en-US" smtClean="0"/>
+              <a:rPr lang="en-US"/>
               <a:t>Fourth level</a:t>
             </a:r>
           </a:p>
           <a:p>
             <a:pPr lvl="4"/>
             <a:r>
-              <a:rPr lang="en-US" smtClean="0"/>
+              <a:rPr lang="en-US"/>
               <a:t>Fifth level</a:t>
             </a:r>
-            <a:endParaRPr lang="en-US"/>
           </a:p>
         </p:txBody>
       </p:sp>
@@ -416,7 +413,7 @@
           <a:p>
             <a:fld id="{95A4E7F3-76DD-41A9-83EA-1E4A041F8B88}" type="datetimeFigureOut">
               <a:rPr lang="en-US" smtClean="0"/>
-              <a:t>10/30/2018</a:t>
+              <a:t>1/5/2020</a:t>
             </a:fld>
             <a:endParaRPr lang="en-US"/>
           </a:p>
@@ -515,10 +512,9 @@
           <a:lstStyle/>
           <a:p>
             <a:r>
-              <a:rPr lang="en-US" smtClean="0"/>
+              <a:rPr lang="en-US"/>
               <a:t>Click to edit Master title style</a:t>
             </a:r>
-            <a:endParaRPr lang="en-US"/>
           </a:p>
         </p:txBody>
       </p:sp>
@@ -544,38 +540,37 @@
           <a:p>
             <a:pPr lvl="0"/>
             <a:r>
-              <a:rPr lang="en-US" smtClean="0"/>
+              <a:rPr lang="en-US"/>
               <a:t>Click to edit Master text styles</a:t>
             </a:r>
           </a:p>
           <a:p>
             <a:pPr lvl="1"/>
             <a:r>
-              <a:rPr lang="en-US" smtClean="0"/>
+              <a:rPr lang="en-US"/>
               <a:t>Second level</a:t>
             </a:r>
           </a:p>
           <a:p>
             <a:pPr lvl="2"/>
             <a:r>
-              <a:rPr lang="en-US" smtClean="0"/>
+              <a:rPr lang="en-US"/>
               <a:t>Third level</a:t>
             </a:r>
           </a:p>
           <a:p>
             <a:pPr lvl="3"/>
             <a:r>
-              <a:rPr lang="en-US" smtClean="0"/>
+              <a:rPr lang="en-US"/>
               <a:t>Fourth level</a:t>
             </a:r>
           </a:p>
           <a:p>
             <a:pPr lvl="4"/>
             <a:r>
-              <a:rPr lang="en-US" smtClean="0"/>
+              <a:rPr lang="en-US"/>
               <a:t>Fifth level</a:t>
             </a:r>
-            <a:endParaRPr lang="en-US"/>
           </a:p>
         </p:txBody>
       </p:sp>
@@ -596,7 +591,7 @@
           <a:p>
             <a:fld id="{95A4E7F3-76DD-41A9-83EA-1E4A041F8B88}" type="datetimeFigureOut">
               <a:rPr lang="en-US" smtClean="0"/>
-              <a:t>10/30/2018</a:t>
+              <a:t>1/5/2020</a:t>
             </a:fld>
             <a:endParaRPr lang="en-US"/>
           </a:p>
@@ -690,10 +685,9 @@
           <a:lstStyle/>
           <a:p>
             <a:r>
-              <a:rPr lang="en-US" smtClean="0"/>
+              <a:rPr lang="en-US"/>
               <a:t>Click to edit Master title style</a:t>
             </a:r>
-            <a:endParaRPr lang="en-US"/>
           </a:p>
         </p:txBody>
       </p:sp>
@@ -714,38 +708,37 @@
           <a:p>
             <a:pPr lvl="0"/>
             <a:r>
-              <a:rPr lang="en-US" smtClean="0"/>
+              <a:rPr lang="en-US"/>
               <a:t>Click to edit Master text styles</a:t>
             </a:r>
           </a:p>
           <a:p>
             <a:pPr lvl="1"/>
             <a:r>
-              <a:rPr lang="en-US" smtClean="0"/>
+              <a:rPr lang="en-US"/>
               <a:t>Second level</a:t>
             </a:r>
           </a:p>
           <a:p>
             <a:pPr lvl="2"/>
             <a:r>
-              <a:rPr lang="en-US" smtClean="0"/>
+              <a:rPr lang="en-US"/>
               <a:t>Third level</a:t>
             </a:r>
           </a:p>
           <a:p>
             <a:pPr lvl="3"/>
             <a:r>
-              <a:rPr lang="en-US" smtClean="0"/>
+              <a:rPr lang="en-US"/>
               <a:t>Fourth level</a:t>
             </a:r>
           </a:p>
           <a:p>
             <a:pPr lvl="4"/>
             <a:r>
-              <a:rPr lang="en-US" smtClean="0"/>
+              <a:rPr lang="en-US"/>
               <a:t>Fifth level</a:t>
             </a:r>
-            <a:endParaRPr lang="en-US"/>
           </a:p>
         </p:txBody>
       </p:sp>
@@ -766,7 +759,7 @@
           <a:p>
             <a:fld id="{95A4E7F3-76DD-41A9-83EA-1E4A041F8B88}" type="datetimeFigureOut">
               <a:rPr lang="en-US" smtClean="0"/>
-              <a:t>10/30/2018</a:t>
+              <a:t>1/5/2020</a:t>
             </a:fld>
             <a:endParaRPr lang="en-US"/>
           </a:p>
@@ -869,10 +862,9 @@
           </a:lstStyle>
           <a:p>
             <a:r>
-              <a:rPr lang="en-US" smtClean="0"/>
+              <a:rPr lang="en-US"/>
               <a:t>Click to edit Master title style</a:t>
             </a:r>
-            <a:endParaRPr lang="en-US"/>
           </a:p>
         </p:txBody>
       </p:sp>
@@ -989,7 +981,7 @@
           <a:p>
             <a:pPr lvl="0"/>
             <a:r>
-              <a:rPr lang="en-US" smtClean="0"/>
+              <a:rPr lang="en-US"/>
               <a:t>Click to edit Master text styles</a:t>
             </a:r>
           </a:p>
@@ -1012,7 +1004,7 @@
           <a:p>
             <a:fld id="{95A4E7F3-76DD-41A9-83EA-1E4A041F8B88}" type="datetimeFigureOut">
               <a:rPr lang="en-US" smtClean="0"/>
-              <a:t>10/30/2018</a:t>
+              <a:t>1/5/2020</a:t>
             </a:fld>
             <a:endParaRPr lang="en-US"/>
           </a:p>
@@ -1106,10 +1098,9 @@
           <a:lstStyle/>
           <a:p>
             <a:r>
-              <a:rPr lang="en-US" smtClean="0"/>
+              <a:rPr lang="en-US"/>
               <a:t>Click to edit Master title style</a:t>
             </a:r>
-            <a:endParaRPr lang="en-US"/>
           </a:p>
         </p:txBody>
       </p:sp>
@@ -1135,38 +1126,37 @@
           <a:p>
             <a:pPr lvl="0"/>
             <a:r>
-              <a:rPr lang="en-US" smtClean="0"/>
+              <a:rPr lang="en-US"/>
               <a:t>Click to edit Master text styles</a:t>
             </a:r>
           </a:p>
           <a:p>
             <a:pPr lvl="1"/>
             <a:r>
-              <a:rPr lang="en-US" smtClean="0"/>
+              <a:rPr lang="en-US"/>
               <a:t>Second level</a:t>
             </a:r>
           </a:p>
           <a:p>
             <a:pPr lvl="2"/>
             <a:r>
-              <a:rPr lang="en-US" smtClean="0"/>
+              <a:rPr lang="en-US"/>
               <a:t>Third level</a:t>
             </a:r>
           </a:p>
           <a:p>
             <a:pPr lvl="3"/>
             <a:r>
-              <a:rPr lang="en-US" smtClean="0"/>
+              <a:rPr lang="en-US"/>
               <a:t>Fourth level</a:t>
             </a:r>
           </a:p>
           <a:p>
             <a:pPr lvl="4"/>
             <a:r>
-              <a:rPr lang="en-US" smtClean="0"/>
+              <a:rPr lang="en-US"/>
               <a:t>Fifth level</a:t>
             </a:r>
-            <a:endParaRPr lang="en-US"/>
           </a:p>
         </p:txBody>
       </p:sp>
@@ -1192,38 +1182,37 @@
           <a:p>
             <a:pPr lvl="0"/>
             <a:r>
-              <a:rPr lang="en-US" smtClean="0"/>
+              <a:rPr lang="en-US"/>
               <a:t>Click to edit Master text styles</a:t>
             </a:r>
           </a:p>
           <a:p>
             <a:pPr lvl="1"/>
             <a:r>
-              <a:rPr lang="en-US" smtClean="0"/>
+              <a:rPr lang="en-US"/>
               <a:t>Second level</a:t>
             </a:r>
           </a:p>
           <a:p>
             <a:pPr lvl="2"/>
             <a:r>
-              <a:rPr lang="en-US" smtClean="0"/>
+              <a:rPr lang="en-US"/>
               <a:t>Third level</a:t>
             </a:r>
           </a:p>
           <a:p>
             <a:pPr lvl="3"/>
             <a:r>
-              <a:rPr lang="en-US" smtClean="0"/>
+              <a:rPr lang="en-US"/>
               <a:t>Fourth level</a:t>
             </a:r>
           </a:p>
           <a:p>
             <a:pPr lvl="4"/>
             <a:r>
-              <a:rPr lang="en-US" smtClean="0"/>
+              <a:rPr lang="en-US"/>
               <a:t>Fifth level</a:t>
             </a:r>
-            <a:endParaRPr lang="en-US"/>
           </a:p>
         </p:txBody>
       </p:sp>
@@ -1244,7 +1233,7 @@
           <a:p>
             <a:fld id="{95A4E7F3-76DD-41A9-83EA-1E4A041F8B88}" type="datetimeFigureOut">
               <a:rPr lang="en-US" smtClean="0"/>
-              <a:t>10/30/2018</a:t>
+              <a:t>1/5/2020</a:t>
             </a:fld>
             <a:endParaRPr lang="en-US"/>
           </a:p>
@@ -1343,10 +1332,9 @@
           <a:lstStyle/>
           <a:p>
             <a:r>
-              <a:rPr lang="en-US" smtClean="0"/>
+              <a:rPr lang="en-US"/>
               <a:t>Click to edit Master title style</a:t>
             </a:r>
-            <a:endParaRPr lang="en-US"/>
           </a:p>
         </p:txBody>
       </p:sp>
@@ -1409,7 +1397,7 @@
           <a:p>
             <a:pPr lvl="0"/>
             <a:r>
-              <a:rPr lang="en-US" smtClean="0"/>
+              <a:rPr lang="en-US"/>
               <a:t>Click to edit Master text styles</a:t>
             </a:r>
           </a:p>
@@ -1437,38 +1425,37 @@
           <a:p>
             <a:pPr lvl="0"/>
             <a:r>
-              <a:rPr lang="en-US" smtClean="0"/>
+              <a:rPr lang="en-US"/>
               <a:t>Click to edit Master text styles</a:t>
             </a:r>
           </a:p>
           <a:p>
             <a:pPr lvl="1"/>
             <a:r>
-              <a:rPr lang="en-US" smtClean="0"/>
+              <a:rPr lang="en-US"/>
               <a:t>Second level</a:t>
             </a:r>
           </a:p>
           <a:p>
             <a:pPr lvl="2"/>
             <a:r>
-              <a:rPr lang="en-US" smtClean="0"/>
+              <a:rPr lang="en-US"/>
               <a:t>Third level</a:t>
             </a:r>
           </a:p>
           <a:p>
             <a:pPr lvl="3"/>
             <a:r>
-              <a:rPr lang="en-US" smtClean="0"/>
+              <a:rPr lang="en-US"/>
               <a:t>Fourth level</a:t>
             </a:r>
           </a:p>
           <a:p>
             <a:pPr lvl="4"/>
             <a:r>
-              <a:rPr lang="en-US" smtClean="0"/>
+              <a:rPr lang="en-US"/>
               <a:t>Fifth level</a:t>
             </a:r>
-            <a:endParaRPr lang="en-US"/>
           </a:p>
         </p:txBody>
       </p:sp>
@@ -1531,7 +1518,7 @@
           <a:p>
             <a:pPr lvl="0"/>
             <a:r>
-              <a:rPr lang="en-US" smtClean="0"/>
+              <a:rPr lang="en-US"/>
               <a:t>Click to edit Master text styles</a:t>
             </a:r>
           </a:p>
@@ -1559,38 +1546,37 @@
           <a:p>
             <a:pPr lvl="0"/>
             <a:r>
-              <a:rPr lang="en-US" smtClean="0"/>
+              <a:rPr lang="en-US"/>
               <a:t>Click to edit Master text styles</a:t>
             </a:r>
           </a:p>
           <a:p>
             <a:pPr lvl="1"/>
             <a:r>
-              <a:rPr lang="en-US" smtClean="0"/>
+              <a:rPr lang="en-US"/>
               <a:t>Second level</a:t>
             </a:r>
           </a:p>
           <a:p>
             <a:pPr lvl="2"/>
             <a:r>
-              <a:rPr lang="en-US" smtClean="0"/>
+              <a:rPr lang="en-US"/>
               <a:t>Third level</a:t>
             </a:r>
           </a:p>
           <a:p>
             <a:pPr lvl="3"/>
             <a:r>
-              <a:rPr lang="en-US" smtClean="0"/>
+              <a:rPr lang="en-US"/>
               <a:t>Fourth level</a:t>
             </a:r>
           </a:p>
           <a:p>
             <a:pPr lvl="4"/>
             <a:r>
-              <a:rPr lang="en-US" smtClean="0"/>
+              <a:rPr lang="en-US"/>
               <a:t>Fifth level</a:t>
             </a:r>
-            <a:endParaRPr lang="en-US"/>
           </a:p>
         </p:txBody>
       </p:sp>
@@ -1611,7 +1597,7 @@
           <a:p>
             <a:fld id="{95A4E7F3-76DD-41A9-83EA-1E4A041F8B88}" type="datetimeFigureOut">
               <a:rPr lang="en-US" smtClean="0"/>
-              <a:t>10/30/2018</a:t>
+              <a:t>1/5/2020</a:t>
             </a:fld>
             <a:endParaRPr lang="en-US"/>
           </a:p>
@@ -1705,10 +1691,9 @@
           <a:lstStyle/>
           <a:p>
             <a:r>
-              <a:rPr lang="en-US" smtClean="0"/>
+              <a:rPr lang="en-US"/>
               <a:t>Click to edit Master title style</a:t>
             </a:r>
-            <a:endParaRPr lang="en-US"/>
           </a:p>
         </p:txBody>
       </p:sp>
@@ -1729,7 +1714,7 @@
           <a:p>
             <a:fld id="{95A4E7F3-76DD-41A9-83EA-1E4A041F8B88}" type="datetimeFigureOut">
               <a:rPr lang="en-US" smtClean="0"/>
-              <a:t>10/30/2018</a:t>
+              <a:t>1/5/2020</a:t>
             </a:fld>
             <a:endParaRPr lang="en-US"/>
           </a:p>
@@ -1824,7 +1809,7 @@
           <a:p>
             <a:fld id="{95A4E7F3-76DD-41A9-83EA-1E4A041F8B88}" type="datetimeFigureOut">
               <a:rPr lang="en-US" smtClean="0"/>
-              <a:t>10/30/2018</a:t>
+              <a:t>1/5/2020</a:t>
             </a:fld>
             <a:endParaRPr lang="en-US"/>
           </a:p>
@@ -1927,10 +1912,9 @@
           </a:lstStyle>
           <a:p>
             <a:r>
-              <a:rPr lang="en-US" smtClean="0"/>
+              <a:rPr lang="en-US"/>
               <a:t>Click to edit Master title style</a:t>
             </a:r>
-            <a:endParaRPr lang="en-US"/>
           </a:p>
         </p:txBody>
       </p:sp>
@@ -1984,38 +1968,37 @@
           <a:p>
             <a:pPr lvl="0"/>
             <a:r>
-              <a:rPr lang="en-US" smtClean="0"/>
+              <a:rPr lang="en-US"/>
               <a:t>Click to edit Master text styles</a:t>
             </a:r>
           </a:p>
           <a:p>
             <a:pPr lvl="1"/>
             <a:r>
-              <a:rPr lang="en-US" smtClean="0"/>
+              <a:rPr lang="en-US"/>
               <a:t>Second level</a:t>
             </a:r>
           </a:p>
           <a:p>
             <a:pPr lvl="2"/>
             <a:r>
-              <a:rPr lang="en-US" smtClean="0"/>
+              <a:rPr lang="en-US"/>
               <a:t>Third level</a:t>
             </a:r>
           </a:p>
           <a:p>
             <a:pPr lvl="3"/>
             <a:r>
-              <a:rPr lang="en-US" smtClean="0"/>
+              <a:rPr lang="en-US"/>
               <a:t>Fourth level</a:t>
             </a:r>
           </a:p>
           <a:p>
             <a:pPr lvl="4"/>
             <a:r>
-              <a:rPr lang="en-US" smtClean="0"/>
+              <a:rPr lang="en-US"/>
               <a:t>Fifth level</a:t>
             </a:r>
-            <a:endParaRPr lang="en-US"/>
           </a:p>
         </p:txBody>
       </p:sp>
@@ -2078,7 +2061,7 @@
           <a:p>
             <a:pPr lvl="0"/>
             <a:r>
-              <a:rPr lang="en-US" smtClean="0"/>
+              <a:rPr lang="en-US"/>
               <a:t>Click to edit Master text styles</a:t>
             </a:r>
           </a:p>
@@ -2101,7 +2084,7 @@
           <a:p>
             <a:fld id="{95A4E7F3-76DD-41A9-83EA-1E4A041F8B88}" type="datetimeFigureOut">
               <a:rPr lang="en-US" smtClean="0"/>
-              <a:t>10/30/2018</a:t>
+              <a:t>1/5/2020</a:t>
             </a:fld>
             <a:endParaRPr lang="en-US"/>
           </a:p>
@@ -2204,10 +2187,9 @@
           </a:lstStyle>
           <a:p>
             <a:r>
-              <a:rPr lang="en-US" smtClean="0"/>
+              <a:rPr lang="en-US"/>
               <a:t>Click to edit Master title style</a:t>
             </a:r>
-            <a:endParaRPr lang="en-US"/>
           </a:p>
         </p:txBody>
       </p:sp>
@@ -2331,7 +2313,7 @@
           <a:p>
             <a:pPr lvl="0"/>
             <a:r>
-              <a:rPr lang="en-US" smtClean="0"/>
+              <a:rPr lang="en-US"/>
               <a:t>Click to edit Master text styles</a:t>
             </a:r>
           </a:p>
@@ -2354,7 +2336,7 @@
           <a:p>
             <a:fld id="{95A4E7F3-76DD-41A9-83EA-1E4A041F8B88}" type="datetimeFigureOut">
               <a:rPr lang="en-US" smtClean="0"/>
-              <a:t>10/30/2018</a:t>
+              <a:t>1/5/2020</a:t>
             </a:fld>
             <a:endParaRPr lang="en-US"/>
           </a:p>
@@ -2463,10 +2445,9 @@
           <a:lstStyle/>
           <a:p>
             <a:r>
-              <a:rPr lang="en-US" smtClean="0"/>
+              <a:rPr lang="en-US"/>
               <a:t>Click to edit Master title style</a:t>
             </a:r>
-            <a:endParaRPr lang="en-US"/>
           </a:p>
         </p:txBody>
       </p:sp>
@@ -2497,38 +2478,37 @@
           <a:p>
             <a:pPr lvl="0"/>
             <a:r>
-              <a:rPr lang="en-US" smtClean="0"/>
+              <a:rPr lang="en-US"/>
               <a:t>Click to edit Master text styles</a:t>
             </a:r>
           </a:p>
           <a:p>
             <a:pPr lvl="1"/>
             <a:r>
-              <a:rPr lang="en-US" smtClean="0"/>
+              <a:rPr lang="en-US"/>
               <a:t>Second level</a:t>
             </a:r>
           </a:p>
           <a:p>
             <a:pPr lvl="2"/>
             <a:r>
-              <a:rPr lang="en-US" smtClean="0"/>
+              <a:rPr lang="en-US"/>
               <a:t>Third level</a:t>
             </a:r>
           </a:p>
           <a:p>
             <a:pPr lvl="3"/>
             <a:r>
-              <a:rPr lang="en-US" smtClean="0"/>
+              <a:rPr lang="en-US"/>
               <a:t>Fourth level</a:t>
             </a:r>
           </a:p>
           <a:p>
             <a:pPr lvl="4"/>
             <a:r>
-              <a:rPr lang="en-US" smtClean="0"/>
+              <a:rPr lang="en-US"/>
               <a:t>Fifth level</a:t>
             </a:r>
-            <a:endParaRPr lang="en-US"/>
           </a:p>
         </p:txBody>
       </p:sp>
@@ -2567,7 +2547,7 @@
           <a:p>
             <a:fld id="{95A4E7F3-76DD-41A9-83EA-1E4A041F8B88}" type="datetimeFigureOut">
               <a:rPr lang="en-US" smtClean="0"/>
-              <a:t>10/30/2018</a:t>
+              <a:t>1/5/2020</a:t>
             </a:fld>
             <a:endParaRPr lang="en-US"/>
           </a:p>
@@ -6612,18 +6592,13 @@
             <a:p>
               <a:pPr algn="ctr"/>
               <a:r>
-                <a:rPr lang="en-US" dirty="0" smtClean="0">
+                <a:rPr lang="en-US" dirty="0">
                   <a:solidFill>
                     <a:schemeClr val="tx1"/>
                   </a:solidFill>
                 </a:rPr>
                 <a:t>Income &gt;125K</a:t>
               </a:r>
-              <a:endParaRPr lang="en-US" dirty="0">
-                <a:solidFill>
-                  <a:schemeClr val="tx1"/>
-                </a:solidFill>
-              </a:endParaRPr>
             </a:p>
           </p:txBody>
         </p:sp>
@@ -6742,18 +6717,13 @@
             <a:p>
               <a:pPr algn="ctr"/>
               <a:r>
-                <a:rPr lang="en-US" dirty="0" smtClean="0">
+                <a:rPr lang="en-US" dirty="0">
                   <a:solidFill>
                     <a:schemeClr val="tx1"/>
                   </a:solidFill>
                 </a:rPr>
                 <a:t>Marital status</a:t>
               </a:r>
-              <a:endParaRPr lang="en-US" dirty="0">
-                <a:solidFill>
-                  <a:schemeClr val="tx1"/>
-                </a:solidFill>
-              </a:endParaRPr>
             </a:p>
           </p:txBody>
         </p:sp>
@@ -6874,18 +6844,13 @@
             <a:p>
               <a:pPr algn="ctr"/>
               <a:r>
-                <a:rPr lang="en-US" dirty="0" smtClean="0">
+                <a:rPr lang="en-US" dirty="0">
                   <a:solidFill>
                     <a:schemeClr val="tx1"/>
                   </a:solidFill>
                 </a:rPr>
                 <a:t>default</a:t>
               </a:r>
-              <a:endParaRPr lang="en-US" dirty="0">
-                <a:solidFill>
-                  <a:schemeClr val="tx1"/>
-                </a:solidFill>
-              </a:endParaRPr>
             </a:p>
           </p:txBody>
         </p:sp>
@@ -6932,18 +6897,13 @@
             <a:p>
               <a:pPr algn="ctr"/>
               <a:r>
-                <a:rPr lang="en-US" dirty="0" smtClean="0">
+                <a:rPr lang="en-US" dirty="0">
                   <a:solidFill>
                     <a:schemeClr val="tx1"/>
                   </a:solidFill>
                 </a:rPr>
                 <a:t>Not default</a:t>
               </a:r>
-              <a:endParaRPr lang="en-US" dirty="0">
-                <a:solidFill>
-                  <a:schemeClr val="tx1"/>
-                </a:solidFill>
-              </a:endParaRPr>
             </a:p>
           </p:txBody>
         </p:sp>
@@ -6995,21 +6955,8 @@
                     <a:schemeClr val="tx1"/>
                   </a:solidFill>
                 </a:rPr>
-                <a:t>Not </a:t>
+                <a:t>Not default</a:t>
               </a:r>
-              <a:r>
-                <a:rPr lang="en-US" dirty="0" smtClean="0">
-                  <a:solidFill>
-                    <a:schemeClr val="tx1"/>
-                  </a:solidFill>
-                </a:rPr>
-                <a:t>default</a:t>
-              </a:r>
-              <a:endParaRPr lang="en-US" dirty="0">
-                <a:solidFill>
-                  <a:schemeClr val="tx1"/>
-                </a:solidFill>
-              </a:endParaRPr>
             </a:p>
           </p:txBody>
         </p:sp>
@@ -7073,7 +7020,7 @@
             <a:lstStyle/>
             <a:p>
               <a:r>
-                <a:rPr lang="en-US" altLang="zh-CN" dirty="0" smtClean="0">
+                <a:rPr lang="en-US" altLang="zh-CN" dirty="0">
                   <a:solidFill>
                     <a:schemeClr val="accent2"/>
                   </a:solidFill>
@@ -7148,7 +7095,7 @@
             <a:lstStyle/>
             <a:p>
               <a:r>
-                <a:rPr lang="en-US" altLang="zh-CN" dirty="0" smtClean="0">
+                <a:rPr lang="en-US" altLang="zh-CN" dirty="0">
                   <a:solidFill>
                     <a:schemeClr val="accent2"/>
                   </a:solidFill>
@@ -7262,7 +7209,7 @@
             <a:lstStyle/>
             <a:p>
               <a:r>
-                <a:rPr lang="en-US" altLang="zh-CN" dirty="0" smtClean="0">
+                <a:rPr lang="en-US" altLang="zh-CN" dirty="0">
                   <a:solidFill>
                     <a:schemeClr val="accent2"/>
                   </a:solidFill>
@@ -7337,7 +7284,7 @@
             <a:lstStyle/>
             <a:p>
               <a:r>
-                <a:rPr lang="en-US" altLang="zh-CN" dirty="0" smtClean="0">
+                <a:rPr lang="en-US" altLang="zh-CN" dirty="0">
                   <a:solidFill>
                     <a:schemeClr val="accent2"/>
                   </a:solidFill>
@@ -7375,10 +7322,9 @@
             <a:lstStyle/>
             <a:p>
               <a:r>
-                <a:rPr lang="en-US" dirty="0" smtClean="0"/>
+                <a:rPr lang="en-US" dirty="0"/>
                 <a:t>Single/divorced</a:t>
               </a:r>
-              <a:endParaRPr lang="en-US" dirty="0"/>
             </a:p>
           </p:txBody>
         </p:sp>
@@ -7405,10 +7351,9 @@
             <a:lstStyle/>
             <a:p>
               <a:r>
-                <a:rPr lang="en-US" dirty="0" smtClean="0"/>
+                <a:rPr lang="en-US" dirty="0"/>
                 <a:t>married</a:t>
               </a:r>
-              <a:endParaRPr lang="en-US" dirty="0"/>
             </a:p>
           </p:txBody>
         </p:sp>
@@ -7470,18 +7415,13 @@
             <a:p>
               <a:pPr algn="ctr"/>
               <a:r>
-                <a:rPr lang="en-US" dirty="0" smtClean="0">
+                <a:rPr lang="en-US" dirty="0">
                   <a:solidFill>
                     <a:schemeClr val="tx1"/>
                   </a:solidFill>
                 </a:rPr>
                 <a:t>Income &gt;125K</a:t>
               </a:r>
-              <a:endParaRPr lang="en-US" dirty="0">
-                <a:solidFill>
-                  <a:schemeClr val="tx1"/>
-                </a:solidFill>
-              </a:endParaRPr>
             </a:p>
           </p:txBody>
         </p:sp>
@@ -7600,18 +7540,13 @@
             <a:p>
               <a:pPr algn="ctr"/>
               <a:r>
-                <a:rPr lang="en-US" dirty="0" smtClean="0">
+                <a:rPr lang="en-US" dirty="0">
                   <a:solidFill>
                     <a:schemeClr val="tx1"/>
                   </a:solidFill>
                 </a:rPr>
                 <a:t>Marital status</a:t>
               </a:r>
-              <a:endParaRPr lang="en-US" dirty="0">
-                <a:solidFill>
-                  <a:schemeClr val="tx1"/>
-                </a:solidFill>
-              </a:endParaRPr>
             </a:p>
           </p:txBody>
         </p:sp>
@@ -7732,18 +7667,13 @@
             <a:p>
               <a:pPr algn="ctr"/>
               <a:r>
-                <a:rPr lang="en-US" dirty="0" smtClean="0">
+                <a:rPr lang="en-US" dirty="0">
                   <a:solidFill>
                     <a:schemeClr val="tx1"/>
                   </a:solidFill>
                 </a:rPr>
                 <a:t>default</a:t>
               </a:r>
-              <a:endParaRPr lang="en-US" dirty="0">
-                <a:solidFill>
-                  <a:schemeClr val="tx1"/>
-                </a:solidFill>
-              </a:endParaRPr>
             </a:p>
           </p:txBody>
         </p:sp>
@@ -7790,18 +7720,13 @@
             <a:p>
               <a:pPr algn="ctr"/>
               <a:r>
-                <a:rPr lang="en-US" dirty="0" smtClean="0">
+                <a:rPr lang="en-US" dirty="0">
                   <a:solidFill>
                     <a:schemeClr val="tx1"/>
                   </a:solidFill>
                 </a:rPr>
                 <a:t>Not default</a:t>
               </a:r>
-              <a:endParaRPr lang="en-US" dirty="0">
-                <a:solidFill>
-                  <a:schemeClr val="tx1"/>
-                </a:solidFill>
-              </a:endParaRPr>
             </a:p>
           </p:txBody>
         </p:sp>
@@ -7853,21 +7778,8 @@
                     <a:schemeClr val="tx1"/>
                   </a:solidFill>
                 </a:rPr>
-                <a:t>Not </a:t>
+                <a:t>Not default</a:t>
               </a:r>
-              <a:r>
-                <a:rPr lang="en-US" dirty="0" smtClean="0">
-                  <a:solidFill>
-                    <a:schemeClr val="tx1"/>
-                  </a:solidFill>
-                </a:rPr>
-                <a:t>default</a:t>
-              </a:r>
-              <a:endParaRPr lang="en-US" dirty="0">
-                <a:solidFill>
-                  <a:schemeClr val="tx1"/>
-                </a:solidFill>
-              </a:endParaRPr>
             </a:p>
           </p:txBody>
         </p:sp>
@@ -7931,7 +7843,7 @@
             <a:lstStyle/>
             <a:p>
               <a:r>
-                <a:rPr lang="en-US" altLang="zh-CN" dirty="0" smtClean="0">
+                <a:rPr lang="en-US" altLang="zh-CN" dirty="0">
                   <a:solidFill>
                     <a:schemeClr val="accent2"/>
                   </a:solidFill>
@@ -8006,7 +7918,7 @@
             <a:lstStyle/>
             <a:p>
               <a:r>
-                <a:rPr lang="en-US" altLang="zh-CN" dirty="0" smtClean="0">
+                <a:rPr lang="en-US" altLang="zh-CN" dirty="0">
                   <a:solidFill>
                     <a:schemeClr val="accent2"/>
                   </a:solidFill>
@@ -8120,7 +8032,7 @@
             <a:lstStyle/>
             <a:p>
               <a:r>
-                <a:rPr lang="en-US" altLang="zh-CN" dirty="0" smtClean="0">
+                <a:rPr lang="en-US" altLang="zh-CN" dirty="0">
                   <a:solidFill>
                     <a:schemeClr val="accent2"/>
                   </a:solidFill>
@@ -8195,7 +8107,7 @@
             <a:lstStyle/>
             <a:p>
               <a:r>
-                <a:rPr lang="en-US" altLang="zh-CN" dirty="0" smtClean="0">
+                <a:rPr lang="en-US" altLang="zh-CN" dirty="0">
                   <a:solidFill>
                     <a:schemeClr val="accent2"/>
                   </a:solidFill>
@@ -8233,10 +8145,9 @@
             <a:lstStyle/>
             <a:p>
               <a:r>
-                <a:rPr lang="en-US" dirty="0" smtClean="0"/>
+                <a:rPr lang="en-US" dirty="0"/>
                 <a:t>Single/divorced</a:t>
               </a:r>
-              <a:endParaRPr lang="en-US" dirty="0"/>
             </a:p>
           </p:txBody>
         </p:sp>
@@ -8263,10 +8174,9 @@
             <a:lstStyle/>
             <a:p>
               <a:r>
-                <a:rPr lang="en-US" dirty="0" smtClean="0"/>
+                <a:rPr lang="en-US" dirty="0"/>
                 <a:t>married</a:t>
               </a:r>
-              <a:endParaRPr lang="en-US" dirty="0"/>
             </a:p>
           </p:txBody>
         </p:sp>
@@ -8285,6 +8195,859 @@
 </file>
 
 <file path=ppt/slides/slide4.xml><?xml version="1.0" encoding="utf-8"?>
+<p:sld xmlns:a="http://schemas.openxmlformats.org/drawingml/2006/main" xmlns:r="http://schemas.openxmlformats.org/officeDocument/2006/relationships" xmlns:p="http://schemas.openxmlformats.org/presentationml/2006/main">
+  <p:cSld>
+    <p:spTree>
+      <p:nvGrpSpPr>
+        <p:cNvPr id="1" name=""/>
+        <p:cNvGrpSpPr/>
+        <p:nvPr/>
+      </p:nvGrpSpPr>
+      <p:grpSpPr>
+        <a:xfrm>
+          <a:off x="0" y="0"/>
+          <a:ext cx="0" cy="0"/>
+          <a:chOff x="0" y="0"/>
+          <a:chExt cx="0" cy="0"/>
+        </a:xfrm>
+      </p:grpSpPr>
+      <p:grpSp>
+        <p:nvGrpSpPr>
+          <p:cNvPr id="41" name="Group 40"/>
+          <p:cNvGrpSpPr/>
+          <p:nvPr/>
+        </p:nvGrpSpPr>
+        <p:grpSpPr>
+          <a:xfrm>
+            <a:off x="3485556" y="1013397"/>
+            <a:ext cx="5728470" cy="4214229"/>
+            <a:chOff x="575138" y="855704"/>
+            <a:chExt cx="5728470" cy="4214229"/>
+          </a:xfrm>
+        </p:grpSpPr>
+        <p:sp>
+          <p:nvSpPr>
+            <p:cNvPr id="42" name="Oval 41"/>
+            <p:cNvSpPr/>
+            <p:nvPr/>
+          </p:nvSpPr>
+          <p:spPr>
+            <a:xfrm>
+              <a:off x="3268133" y="1126067"/>
+              <a:ext cx="1456267" cy="584200"/>
+            </a:xfrm>
+            <a:prstGeom prst="ellipse">
+              <a:avLst/>
+            </a:prstGeom>
+            <a:noFill/>
+            <a:ln>
+              <a:solidFill>
+                <a:schemeClr val="tx1"/>
+              </a:solidFill>
+            </a:ln>
+          </p:spPr>
+          <p:style>
+            <a:lnRef idx="2">
+              <a:schemeClr val="accent1">
+                <a:shade val="50000"/>
+              </a:schemeClr>
+            </a:lnRef>
+            <a:fillRef idx="1">
+              <a:schemeClr val="accent1"/>
+            </a:fillRef>
+            <a:effectRef idx="0">
+              <a:schemeClr val="accent1"/>
+            </a:effectRef>
+            <a:fontRef idx="minor">
+              <a:schemeClr val="lt1"/>
+            </a:fontRef>
+          </p:style>
+          <p:txBody>
+            <a:bodyPr rtlCol="0" anchor="ctr"/>
+            <a:lstStyle/>
+            <a:p>
+              <a:pPr algn="ctr"/>
+              <a:r>
+                <a:rPr lang="en-US" dirty="0">
+                  <a:solidFill>
+                    <a:schemeClr val="tx1"/>
+                  </a:solidFill>
+                </a:rPr>
+                <a:t>Income &gt;125K</a:t>
+              </a:r>
+            </a:p>
+          </p:txBody>
+        </p:sp>
+        <p:cxnSp>
+          <p:nvCxnSpPr>
+            <p:cNvPr id="43" name="Straight Arrow Connector 42"/>
+            <p:cNvCxnSpPr/>
+            <p:nvPr/>
+          </p:nvCxnSpPr>
+          <p:spPr>
+            <a:xfrm flipH="1">
+              <a:off x="2980266" y="1710267"/>
+              <a:ext cx="621260" cy="838200"/>
+            </a:xfrm>
+            <a:prstGeom prst="straightConnector1">
+              <a:avLst/>
+            </a:prstGeom>
+            <a:ln>
+              <a:solidFill>
+                <a:schemeClr val="tx1"/>
+              </a:solidFill>
+              <a:tailEnd type="triangle"/>
+            </a:ln>
+          </p:spPr>
+          <p:style>
+            <a:lnRef idx="1">
+              <a:schemeClr val="accent1"/>
+            </a:lnRef>
+            <a:fillRef idx="0">
+              <a:schemeClr val="accent1"/>
+            </a:fillRef>
+            <a:effectRef idx="0">
+              <a:schemeClr val="accent1"/>
+            </a:effectRef>
+            <a:fontRef idx="minor">
+              <a:schemeClr val="tx1"/>
+            </a:fontRef>
+          </p:style>
+        </p:cxnSp>
+        <p:cxnSp>
+          <p:nvCxnSpPr>
+            <p:cNvPr id="44" name="Straight Arrow Connector 43"/>
+            <p:cNvCxnSpPr/>
+            <p:nvPr/>
+          </p:nvCxnSpPr>
+          <p:spPr>
+            <a:xfrm>
+              <a:off x="4324340" y="1693336"/>
+              <a:ext cx="922867" cy="905933"/>
+            </a:xfrm>
+            <a:prstGeom prst="straightConnector1">
+              <a:avLst/>
+            </a:prstGeom>
+            <a:ln>
+              <a:solidFill>
+                <a:schemeClr val="tx1"/>
+              </a:solidFill>
+              <a:tailEnd type="triangle"/>
+            </a:ln>
+          </p:spPr>
+          <p:style>
+            <a:lnRef idx="1">
+              <a:schemeClr val="accent1"/>
+            </a:lnRef>
+            <a:fillRef idx="0">
+              <a:schemeClr val="accent1"/>
+            </a:fillRef>
+            <a:effectRef idx="0">
+              <a:schemeClr val="accent1"/>
+            </a:effectRef>
+            <a:fontRef idx="minor">
+              <a:schemeClr val="tx1"/>
+            </a:fontRef>
+          </p:style>
+        </p:cxnSp>
+        <p:sp>
+          <p:nvSpPr>
+            <p:cNvPr id="45" name="Oval 44"/>
+            <p:cNvSpPr/>
+            <p:nvPr/>
+          </p:nvSpPr>
+          <p:spPr>
+            <a:xfrm>
+              <a:off x="2023533" y="2556934"/>
+              <a:ext cx="1820333" cy="575733"/>
+            </a:xfrm>
+            <a:prstGeom prst="ellipse">
+              <a:avLst/>
+            </a:prstGeom>
+            <a:noFill/>
+            <a:ln>
+              <a:solidFill>
+                <a:schemeClr val="tx1"/>
+              </a:solidFill>
+            </a:ln>
+          </p:spPr>
+          <p:style>
+            <a:lnRef idx="2">
+              <a:schemeClr val="accent1">
+                <a:shade val="50000"/>
+              </a:schemeClr>
+            </a:lnRef>
+            <a:fillRef idx="1">
+              <a:schemeClr val="accent1"/>
+            </a:fillRef>
+            <a:effectRef idx="0">
+              <a:schemeClr val="accent1"/>
+            </a:effectRef>
+            <a:fontRef idx="minor">
+              <a:schemeClr val="lt1"/>
+            </a:fontRef>
+          </p:style>
+          <p:txBody>
+            <a:bodyPr rtlCol="0" anchor="ctr"/>
+            <a:lstStyle/>
+            <a:p>
+              <a:pPr algn="ctr"/>
+              <a:r>
+                <a:rPr lang="en-US" dirty="0">
+                  <a:solidFill>
+                    <a:schemeClr val="tx1"/>
+                  </a:solidFill>
+                </a:rPr>
+                <a:t>Marital status</a:t>
+              </a:r>
+            </a:p>
+          </p:txBody>
+        </p:sp>
+        <p:cxnSp>
+          <p:nvCxnSpPr>
+            <p:cNvPr id="46" name="Straight Arrow Connector 45"/>
+            <p:cNvCxnSpPr/>
+            <p:nvPr/>
+          </p:nvCxnSpPr>
+          <p:spPr>
+            <a:xfrm flipH="1">
+              <a:off x="1710266" y="3141134"/>
+              <a:ext cx="863600" cy="838200"/>
+            </a:xfrm>
+            <a:prstGeom prst="straightConnector1">
+              <a:avLst/>
+            </a:prstGeom>
+            <a:ln>
+              <a:solidFill>
+                <a:schemeClr val="tx1"/>
+              </a:solidFill>
+              <a:tailEnd type="triangle"/>
+            </a:ln>
+          </p:spPr>
+          <p:style>
+            <a:lnRef idx="1">
+              <a:schemeClr val="accent1"/>
+            </a:lnRef>
+            <a:fillRef idx="0">
+              <a:schemeClr val="accent1"/>
+            </a:fillRef>
+            <a:effectRef idx="0">
+              <a:schemeClr val="accent1"/>
+            </a:effectRef>
+            <a:fontRef idx="minor">
+              <a:schemeClr val="tx1"/>
+            </a:fontRef>
+          </p:style>
+        </p:cxnSp>
+        <p:cxnSp>
+          <p:nvCxnSpPr>
+            <p:cNvPr id="47" name="Straight Arrow Connector 46"/>
+            <p:cNvCxnSpPr>
+              <a:endCxn id="49" idx="0"/>
+            </p:cNvCxnSpPr>
+            <p:nvPr/>
+          </p:nvCxnSpPr>
+          <p:spPr>
+            <a:xfrm>
+              <a:off x="3115733" y="3141134"/>
+              <a:ext cx="922867" cy="905933"/>
+            </a:xfrm>
+            <a:prstGeom prst="straightConnector1">
+              <a:avLst/>
+            </a:prstGeom>
+            <a:ln>
+              <a:solidFill>
+                <a:schemeClr val="tx1"/>
+              </a:solidFill>
+              <a:tailEnd type="triangle"/>
+            </a:ln>
+          </p:spPr>
+          <p:style>
+            <a:lnRef idx="1">
+              <a:schemeClr val="accent1"/>
+            </a:lnRef>
+            <a:fillRef idx="0">
+              <a:schemeClr val="accent1"/>
+            </a:fillRef>
+            <a:effectRef idx="0">
+              <a:schemeClr val="accent1"/>
+            </a:effectRef>
+            <a:fontRef idx="minor">
+              <a:schemeClr val="tx1"/>
+            </a:fontRef>
+          </p:style>
+        </p:cxnSp>
+        <p:sp>
+          <p:nvSpPr>
+            <p:cNvPr id="48" name="Rectangle 47"/>
+            <p:cNvSpPr/>
+            <p:nvPr/>
+          </p:nvSpPr>
+          <p:spPr>
+            <a:xfrm>
+              <a:off x="1060969" y="4013200"/>
+              <a:ext cx="1278467" cy="431800"/>
+            </a:xfrm>
+            <a:prstGeom prst="rect">
+              <a:avLst/>
+            </a:prstGeom>
+            <a:noFill/>
+            <a:ln>
+              <a:solidFill>
+                <a:schemeClr val="tx1"/>
+              </a:solidFill>
+            </a:ln>
+          </p:spPr>
+          <p:style>
+            <a:lnRef idx="2">
+              <a:schemeClr val="accent1">
+                <a:shade val="50000"/>
+              </a:schemeClr>
+            </a:lnRef>
+            <a:fillRef idx="1">
+              <a:schemeClr val="accent1"/>
+            </a:fillRef>
+            <a:effectRef idx="0">
+              <a:schemeClr val="accent1"/>
+            </a:effectRef>
+            <a:fontRef idx="minor">
+              <a:schemeClr val="lt1"/>
+            </a:fontRef>
+          </p:style>
+          <p:txBody>
+            <a:bodyPr rtlCol="0" anchor="ctr"/>
+            <a:lstStyle/>
+            <a:p>
+              <a:pPr algn="ctr"/>
+              <a:r>
+                <a:rPr lang="en-US" dirty="0">
+                  <a:solidFill>
+                    <a:schemeClr val="tx1"/>
+                  </a:solidFill>
+                </a:rPr>
+                <a:t>default</a:t>
+              </a:r>
+            </a:p>
+          </p:txBody>
+        </p:sp>
+        <p:sp>
+          <p:nvSpPr>
+            <p:cNvPr id="49" name="Rectangle 48"/>
+            <p:cNvSpPr/>
+            <p:nvPr/>
+          </p:nvSpPr>
+          <p:spPr>
+            <a:xfrm>
+              <a:off x="3399366" y="4047067"/>
+              <a:ext cx="1278467" cy="431800"/>
+            </a:xfrm>
+            <a:prstGeom prst="rect">
+              <a:avLst/>
+            </a:prstGeom>
+            <a:noFill/>
+            <a:ln>
+              <a:solidFill>
+                <a:schemeClr val="tx1"/>
+              </a:solidFill>
+            </a:ln>
+          </p:spPr>
+          <p:style>
+            <a:lnRef idx="2">
+              <a:schemeClr val="accent1">
+                <a:shade val="50000"/>
+              </a:schemeClr>
+            </a:lnRef>
+            <a:fillRef idx="1">
+              <a:schemeClr val="accent1"/>
+            </a:fillRef>
+            <a:effectRef idx="0">
+              <a:schemeClr val="accent1"/>
+            </a:effectRef>
+            <a:fontRef idx="minor">
+              <a:schemeClr val="lt1"/>
+            </a:fontRef>
+          </p:style>
+          <p:txBody>
+            <a:bodyPr rtlCol="0" anchor="ctr"/>
+            <a:lstStyle/>
+            <a:p>
+              <a:pPr algn="ctr"/>
+              <a:r>
+                <a:rPr lang="en-US" dirty="0">
+                  <a:solidFill>
+                    <a:schemeClr val="tx1"/>
+                  </a:solidFill>
+                </a:rPr>
+                <a:t>Not default</a:t>
+              </a:r>
+            </a:p>
+          </p:txBody>
+        </p:sp>
+        <p:sp>
+          <p:nvSpPr>
+            <p:cNvPr id="50" name="Rectangle 49"/>
+            <p:cNvSpPr/>
+            <p:nvPr/>
+          </p:nvSpPr>
+          <p:spPr>
+            <a:xfrm>
+              <a:off x="4724400" y="2650068"/>
+              <a:ext cx="1278467" cy="431800"/>
+            </a:xfrm>
+            <a:prstGeom prst="rect">
+              <a:avLst/>
+            </a:prstGeom>
+            <a:noFill/>
+            <a:ln>
+              <a:solidFill>
+                <a:schemeClr val="tx1"/>
+              </a:solidFill>
+            </a:ln>
+          </p:spPr>
+          <p:style>
+            <a:lnRef idx="2">
+              <a:schemeClr val="accent1">
+                <a:shade val="50000"/>
+              </a:schemeClr>
+            </a:lnRef>
+            <a:fillRef idx="1">
+              <a:schemeClr val="accent1"/>
+            </a:fillRef>
+            <a:effectRef idx="0">
+              <a:schemeClr val="accent1"/>
+            </a:effectRef>
+            <a:fontRef idx="minor">
+              <a:schemeClr val="lt1"/>
+            </a:fontRef>
+          </p:style>
+          <p:txBody>
+            <a:bodyPr rtlCol="0" anchor="ctr"/>
+            <a:lstStyle/>
+            <a:p>
+              <a:pPr algn="ctr"/>
+              <a:r>
+                <a:rPr lang="en-US" dirty="0">
+                  <a:solidFill>
+                    <a:schemeClr val="tx1"/>
+                  </a:solidFill>
+                </a:rPr>
+                <a:t>Not default</a:t>
+              </a:r>
+            </a:p>
+          </p:txBody>
+        </p:sp>
+        <p:cxnSp>
+          <p:nvCxnSpPr>
+            <p:cNvPr id="51" name="Straight Arrow Connector 50"/>
+            <p:cNvCxnSpPr/>
+            <p:nvPr/>
+          </p:nvCxnSpPr>
+          <p:spPr>
+            <a:xfrm flipV="1">
+              <a:off x="4730740" y="1185333"/>
+              <a:ext cx="400060" cy="224369"/>
+            </a:xfrm>
+            <a:prstGeom prst="straightConnector1">
+              <a:avLst/>
+            </a:prstGeom>
+            <a:ln>
+              <a:solidFill>
+                <a:schemeClr val="accent2"/>
+              </a:solidFill>
+              <a:prstDash val="dash"/>
+              <a:tailEnd type="triangle"/>
+            </a:ln>
+          </p:spPr>
+          <p:style>
+            <a:lnRef idx="1">
+              <a:schemeClr val="accent1"/>
+            </a:lnRef>
+            <a:fillRef idx="0">
+              <a:schemeClr val="accent1"/>
+            </a:fillRef>
+            <a:effectRef idx="0">
+              <a:schemeClr val="accent1"/>
+            </a:effectRef>
+            <a:fontRef idx="minor">
+              <a:schemeClr val="tx1"/>
+            </a:fontRef>
+          </p:style>
+        </p:cxnSp>
+        <p:sp>
+          <p:nvSpPr>
+            <p:cNvPr id="52" name="TextBox 51"/>
+            <p:cNvSpPr txBox="1"/>
+            <p:nvPr/>
+          </p:nvSpPr>
+          <p:spPr>
+            <a:xfrm>
+              <a:off x="5144252" y="855704"/>
+              <a:ext cx="1159356" cy="369332"/>
+            </a:xfrm>
+            <a:prstGeom prst="rect">
+              <a:avLst/>
+            </a:prstGeom>
+            <a:noFill/>
+          </p:spPr>
+          <p:txBody>
+            <a:bodyPr wrap="none" rtlCol="0">
+              <a:spAutoFit/>
+            </a:bodyPr>
+            <a:lstStyle/>
+            <a:p>
+              <a:r>
+                <a:rPr lang="en-US" altLang="zh-CN" dirty="0">
+                  <a:solidFill>
+                    <a:schemeClr val="accent2"/>
+                  </a:solidFill>
+                </a:rPr>
+                <a:t>Root node</a:t>
+              </a:r>
+              <a:endParaRPr lang="en-US" dirty="0">
+                <a:solidFill>
+                  <a:schemeClr val="accent2"/>
+                </a:solidFill>
+              </a:endParaRPr>
+            </a:p>
+          </p:txBody>
+        </p:sp>
+        <p:cxnSp>
+          <p:nvCxnSpPr>
+            <p:cNvPr id="53" name="Straight Arrow Connector 52"/>
+            <p:cNvCxnSpPr/>
+            <p:nvPr/>
+          </p:nvCxnSpPr>
+          <p:spPr>
+            <a:xfrm>
+              <a:off x="2133600" y="4478867"/>
+              <a:ext cx="440266" cy="221734"/>
+            </a:xfrm>
+            <a:prstGeom prst="straightConnector1">
+              <a:avLst/>
+            </a:prstGeom>
+            <a:ln>
+              <a:solidFill>
+                <a:schemeClr val="accent2"/>
+              </a:solidFill>
+              <a:prstDash val="dash"/>
+              <a:tailEnd type="triangle"/>
+            </a:ln>
+          </p:spPr>
+          <p:style>
+            <a:lnRef idx="1">
+              <a:schemeClr val="accent1"/>
+            </a:lnRef>
+            <a:fillRef idx="0">
+              <a:schemeClr val="accent1"/>
+            </a:fillRef>
+            <a:effectRef idx="0">
+              <a:schemeClr val="accent1"/>
+            </a:effectRef>
+            <a:fontRef idx="minor">
+              <a:schemeClr val="tx1"/>
+            </a:fontRef>
+          </p:style>
+        </p:cxnSp>
+        <p:sp>
+          <p:nvSpPr>
+            <p:cNvPr id="54" name="TextBox 53"/>
+            <p:cNvSpPr txBox="1"/>
+            <p:nvPr/>
+          </p:nvSpPr>
+          <p:spPr>
+            <a:xfrm>
+              <a:off x="2400300" y="4700601"/>
+              <a:ext cx="1201226" cy="369332"/>
+            </a:xfrm>
+            <a:prstGeom prst="rect">
+              <a:avLst/>
+            </a:prstGeom>
+            <a:noFill/>
+          </p:spPr>
+          <p:txBody>
+            <a:bodyPr wrap="none" rtlCol="0">
+              <a:spAutoFit/>
+            </a:bodyPr>
+            <a:lstStyle/>
+            <a:p>
+              <a:r>
+                <a:rPr lang="en-US" altLang="zh-CN" dirty="0">
+                  <a:solidFill>
+                    <a:schemeClr val="accent2"/>
+                  </a:solidFill>
+                </a:rPr>
+                <a:t>Leaf nodes</a:t>
+              </a:r>
+              <a:endParaRPr lang="en-US" dirty="0">
+                <a:solidFill>
+                  <a:schemeClr val="accent2"/>
+                </a:solidFill>
+              </a:endParaRPr>
+            </a:p>
+          </p:txBody>
+        </p:sp>
+        <p:cxnSp>
+          <p:nvCxnSpPr>
+            <p:cNvPr id="55" name="Straight Arrow Connector 54"/>
+            <p:cNvCxnSpPr/>
+            <p:nvPr/>
+          </p:nvCxnSpPr>
+          <p:spPr>
+            <a:xfrm flipH="1">
+              <a:off x="3412066" y="4478867"/>
+              <a:ext cx="431223" cy="221734"/>
+            </a:xfrm>
+            <a:prstGeom prst="straightConnector1">
+              <a:avLst/>
+            </a:prstGeom>
+            <a:ln>
+              <a:solidFill>
+                <a:schemeClr val="accent2"/>
+              </a:solidFill>
+              <a:prstDash val="dash"/>
+              <a:tailEnd type="triangle"/>
+            </a:ln>
+          </p:spPr>
+          <p:style>
+            <a:lnRef idx="1">
+              <a:schemeClr val="accent1"/>
+            </a:lnRef>
+            <a:fillRef idx="0">
+              <a:schemeClr val="accent1"/>
+            </a:fillRef>
+            <a:effectRef idx="0">
+              <a:schemeClr val="accent1"/>
+            </a:effectRef>
+            <a:fontRef idx="minor">
+              <a:schemeClr val="tx1"/>
+            </a:fontRef>
+          </p:style>
+        </p:cxnSp>
+        <p:cxnSp>
+          <p:nvCxnSpPr>
+            <p:cNvPr id="56" name="Straight Arrow Connector 55"/>
+            <p:cNvCxnSpPr>
+              <a:endCxn id="57" idx="0"/>
+            </p:cNvCxnSpPr>
+            <p:nvPr/>
+          </p:nvCxnSpPr>
+          <p:spPr>
+            <a:xfrm>
+              <a:off x="5503797" y="3132667"/>
+              <a:ext cx="110066" cy="276767"/>
+            </a:xfrm>
+            <a:prstGeom prst="straightConnector1">
+              <a:avLst/>
+            </a:prstGeom>
+            <a:ln>
+              <a:solidFill>
+                <a:schemeClr val="accent2"/>
+              </a:solidFill>
+              <a:prstDash val="dash"/>
+              <a:tailEnd type="triangle"/>
+            </a:ln>
+          </p:spPr>
+          <p:style>
+            <a:lnRef idx="1">
+              <a:schemeClr val="accent1"/>
+            </a:lnRef>
+            <a:fillRef idx="0">
+              <a:schemeClr val="accent1"/>
+            </a:fillRef>
+            <a:effectRef idx="0">
+              <a:schemeClr val="accent1"/>
+            </a:effectRef>
+            <a:fontRef idx="minor">
+              <a:schemeClr val="tx1"/>
+            </a:fontRef>
+          </p:style>
+        </p:cxnSp>
+        <p:sp>
+          <p:nvSpPr>
+            <p:cNvPr id="57" name="TextBox 56"/>
+            <p:cNvSpPr txBox="1"/>
+            <p:nvPr/>
+          </p:nvSpPr>
+          <p:spPr>
+            <a:xfrm>
+              <a:off x="5058134" y="3409434"/>
+              <a:ext cx="1111458" cy="369332"/>
+            </a:xfrm>
+            <a:prstGeom prst="rect">
+              <a:avLst/>
+            </a:prstGeom>
+            <a:noFill/>
+          </p:spPr>
+          <p:txBody>
+            <a:bodyPr wrap="none" rtlCol="0">
+              <a:spAutoFit/>
+            </a:bodyPr>
+            <a:lstStyle/>
+            <a:p>
+              <a:r>
+                <a:rPr lang="en-US" altLang="zh-CN" dirty="0">
+                  <a:solidFill>
+                    <a:schemeClr val="accent2"/>
+                  </a:solidFill>
+                </a:rPr>
+                <a:t>Leaf node</a:t>
+              </a:r>
+              <a:endParaRPr lang="en-US" dirty="0">
+                <a:solidFill>
+                  <a:schemeClr val="accent2"/>
+                </a:solidFill>
+              </a:endParaRPr>
+            </a:p>
+          </p:txBody>
+        </p:sp>
+        <p:cxnSp>
+          <p:nvCxnSpPr>
+            <p:cNvPr id="58" name="Straight Arrow Connector 57"/>
+            <p:cNvCxnSpPr/>
+            <p:nvPr/>
+          </p:nvCxnSpPr>
+          <p:spPr>
+            <a:xfrm>
+              <a:off x="2058152" y="2286802"/>
+              <a:ext cx="295581" cy="270132"/>
+            </a:xfrm>
+            <a:prstGeom prst="straightConnector1">
+              <a:avLst/>
+            </a:prstGeom>
+            <a:ln>
+              <a:solidFill>
+                <a:schemeClr val="accent2"/>
+              </a:solidFill>
+              <a:prstDash val="dash"/>
+              <a:tailEnd type="triangle"/>
+            </a:ln>
+          </p:spPr>
+          <p:style>
+            <a:lnRef idx="1">
+              <a:schemeClr val="accent1"/>
+            </a:lnRef>
+            <a:fillRef idx="0">
+              <a:schemeClr val="accent1"/>
+            </a:fillRef>
+            <a:effectRef idx="0">
+              <a:schemeClr val="accent1"/>
+            </a:effectRef>
+            <a:fontRef idx="minor">
+              <a:schemeClr val="tx1"/>
+            </a:fontRef>
+          </p:style>
+        </p:cxnSp>
+        <p:sp>
+          <p:nvSpPr>
+            <p:cNvPr id="59" name="TextBox 58"/>
+            <p:cNvSpPr txBox="1"/>
+            <p:nvPr/>
+          </p:nvSpPr>
+          <p:spPr>
+            <a:xfrm>
+              <a:off x="1010168" y="1900537"/>
+              <a:ext cx="1536190" cy="369332"/>
+            </a:xfrm>
+            <a:prstGeom prst="rect">
+              <a:avLst/>
+            </a:prstGeom>
+            <a:noFill/>
+          </p:spPr>
+          <p:txBody>
+            <a:bodyPr wrap="none" rtlCol="0">
+              <a:spAutoFit/>
+            </a:bodyPr>
+            <a:lstStyle/>
+            <a:p>
+              <a:r>
+                <a:rPr lang="en-US" altLang="zh-CN" dirty="0">
+                  <a:solidFill>
+                    <a:schemeClr val="accent2"/>
+                  </a:solidFill>
+                </a:rPr>
+                <a:t>Internal nodes</a:t>
+              </a:r>
+              <a:endParaRPr lang="en-US" dirty="0">
+                <a:solidFill>
+                  <a:schemeClr val="accent2"/>
+                </a:solidFill>
+              </a:endParaRPr>
+            </a:p>
+          </p:txBody>
+        </p:sp>
+        <p:sp>
+          <p:nvSpPr>
+            <p:cNvPr id="60" name="TextBox 59"/>
+            <p:cNvSpPr txBox="1"/>
+            <p:nvPr/>
+          </p:nvSpPr>
+          <p:spPr>
+            <a:xfrm>
+              <a:off x="575138" y="3337471"/>
+              <a:ext cx="1642694" cy="369332"/>
+            </a:xfrm>
+            <a:prstGeom prst="rect">
+              <a:avLst/>
+            </a:prstGeom>
+            <a:noFill/>
+          </p:spPr>
+          <p:txBody>
+            <a:bodyPr wrap="none" rtlCol="0">
+              <a:spAutoFit/>
+            </a:bodyPr>
+            <a:lstStyle/>
+            <a:p>
+              <a:r>
+                <a:rPr lang="en-US" dirty="0"/>
+                <a:t>Single/divorced</a:t>
+              </a:r>
+            </a:p>
+          </p:txBody>
+        </p:sp>
+        <p:sp>
+          <p:nvSpPr>
+            <p:cNvPr id="61" name="TextBox 60"/>
+            <p:cNvSpPr txBox="1"/>
+            <p:nvPr/>
+          </p:nvSpPr>
+          <p:spPr>
+            <a:xfrm>
+              <a:off x="3573800" y="3337471"/>
+              <a:ext cx="930063" cy="369332"/>
+            </a:xfrm>
+            <a:prstGeom prst="rect">
+              <a:avLst/>
+            </a:prstGeom>
+            <a:noFill/>
+          </p:spPr>
+          <p:txBody>
+            <a:bodyPr wrap="none" rtlCol="0">
+              <a:spAutoFit/>
+            </a:bodyPr>
+            <a:lstStyle/>
+            <a:p>
+              <a:r>
+                <a:rPr lang="en-US" dirty="0"/>
+                <a:t>married</a:t>
+              </a:r>
+            </a:p>
+          </p:txBody>
+        </p:sp>
+      </p:grpSp>
+    </p:spTree>
+    <p:extLst>
+      <p:ext uri="{BB962C8B-B14F-4D97-AF65-F5344CB8AC3E}">
+        <p14:creationId xmlns:p14="http://schemas.microsoft.com/office/powerpoint/2010/main" val="2261608825"/>
+      </p:ext>
+    </p:extLst>
+  </p:cSld>
+  <p:clrMapOvr>
+    <a:masterClrMapping/>
+  </p:clrMapOvr>
+</p:sld>
+</file>
+
+<file path=ppt/slides/slide5.xml><?xml version="1.0" encoding="utf-8"?>
 <p:sld xmlns:a="http://schemas.openxmlformats.org/drawingml/2006/main" xmlns:r="http://schemas.openxmlformats.org/officeDocument/2006/relationships" xmlns:p="http://schemas.openxmlformats.org/presentationml/2006/main">
   <p:cSld>
     <p:spTree>
@@ -8358,7 +9121,7 @@
             <a:p>
               <a:pPr algn="ctr"/>
               <a:r>
-                <a:rPr lang="en-US" altLang="zh-CN" dirty="0" smtClean="0">
+                <a:rPr lang="en-US" altLang="zh-CN" dirty="0">
                   <a:solidFill>
                     <a:schemeClr val="tx1"/>
                   </a:solidFill>
@@ -8530,7 +9293,7 @@
             <a:p>
               <a:pPr algn="ctr"/>
               <a:r>
-                <a:rPr lang="en-US" altLang="zh-CN" dirty="0" smtClean="0">
+                <a:rPr lang="en-US" altLang="zh-CN" dirty="0">
                   <a:solidFill>
                     <a:schemeClr val="tx1"/>
                   </a:solidFill>
@@ -8588,7 +9351,7 @@
             <a:p>
               <a:pPr algn="ctr"/>
               <a:r>
-                <a:rPr lang="en-US" altLang="zh-CN" dirty="0" smtClean="0">
+                <a:rPr lang="en-US" altLang="zh-CN" dirty="0">
                   <a:solidFill>
                     <a:schemeClr val="tx1"/>
                   </a:solidFill>
@@ -8646,7 +9409,7 @@
             <a:p>
               <a:pPr algn="ctr"/>
               <a:r>
-                <a:rPr lang="en-US" altLang="zh-CN" dirty="0" smtClean="0">
+                <a:rPr lang="en-US" altLang="zh-CN" dirty="0">
                   <a:solidFill>
                     <a:schemeClr val="tx1"/>
                   </a:solidFill>
@@ -8719,7 +9482,7 @@
             <a:p>
               <a:pPr algn="ctr"/>
               <a:r>
-                <a:rPr lang="en-US" altLang="zh-CN" dirty="0" smtClean="0">
+                <a:rPr lang="en-US" altLang="zh-CN" dirty="0">
                   <a:solidFill>
                     <a:schemeClr val="tx1"/>
                   </a:solidFill>
@@ -8853,7 +9616,7 @@
             <a:p>
               <a:pPr algn="ctr"/>
               <a:r>
-                <a:rPr lang="en-US" altLang="zh-CN" dirty="0" smtClean="0">
+                <a:rPr lang="en-US" altLang="zh-CN" dirty="0">
                   <a:solidFill>
                     <a:schemeClr val="tx1"/>
                   </a:solidFill>
@@ -8911,7 +9674,7 @@
             <a:p>
               <a:pPr algn="ctr"/>
               <a:r>
-                <a:rPr lang="en-US" altLang="zh-CN" dirty="0" smtClean="0">
+                <a:rPr lang="en-US" altLang="zh-CN" dirty="0">
                   <a:solidFill>
                     <a:schemeClr val="tx1"/>
                   </a:solidFill>
@@ -8969,7 +9732,7 @@
             <a:p>
               <a:pPr algn="ctr"/>
               <a:r>
-                <a:rPr lang="en-US" altLang="zh-CN" dirty="0" smtClean="0">
+                <a:rPr lang="en-US" altLang="zh-CN" dirty="0">
                   <a:solidFill>
                     <a:schemeClr val="tx1"/>
                   </a:solidFill>
@@ -9103,7 +9866,7 @@
             <a:p>
               <a:pPr algn="ctr"/>
               <a:r>
-                <a:rPr lang="en-US" altLang="zh-CN" dirty="0" smtClean="0">
+                <a:rPr lang="en-US" altLang="zh-CN" dirty="0">
                   <a:solidFill>
                     <a:schemeClr val="tx1"/>
                   </a:solidFill>
@@ -9161,7 +9924,7 @@
             <a:p>
               <a:pPr algn="ctr"/>
               <a:r>
-                <a:rPr lang="en-US" altLang="zh-CN" dirty="0" smtClean="0">
+                <a:rPr lang="en-US" altLang="zh-CN" dirty="0">
                   <a:solidFill>
                     <a:schemeClr val="tx1"/>
                   </a:solidFill>
@@ -9219,7 +9982,7 @@
             <a:p>
               <a:pPr algn="ctr"/>
               <a:r>
-                <a:rPr lang="en-US" altLang="zh-CN" dirty="0" smtClean="0">
+                <a:rPr lang="en-US" altLang="zh-CN" dirty="0">
                   <a:solidFill>
                     <a:schemeClr val="tx1"/>
                   </a:solidFill>
@@ -9353,7 +10116,7 @@
             <a:p>
               <a:pPr algn="ctr"/>
               <a:r>
-                <a:rPr lang="en-US" altLang="zh-CN" dirty="0" smtClean="0">
+                <a:rPr lang="en-US" altLang="zh-CN" dirty="0">
                   <a:solidFill>
                     <a:schemeClr val="tx1"/>
                   </a:solidFill>
@@ -9411,7 +10174,7 @@
             <a:p>
               <a:pPr algn="ctr"/>
               <a:r>
-                <a:rPr lang="en-US" altLang="zh-CN" dirty="0" smtClean="0">
+                <a:rPr lang="en-US" altLang="zh-CN" dirty="0">
                   <a:solidFill>
                     <a:schemeClr val="tx1"/>
                   </a:solidFill>
